--- a/발표자료/20241122/20241122_래퍼클래스.pptx
+++ b/발표자료/20241122/20241122_래퍼클래스.pptx
@@ -5,10 +5,10 @@
     <p:sldMasterId id="2147483648" r:id="rId1"/>
   </p:sldMasterIdLst>
   <p:notesMasterIdLst>
-    <p:notesMasterId r:id="rId18"/>
+    <p:notesMasterId r:id="rId20"/>
   </p:notesMasterIdLst>
   <p:handoutMasterIdLst>
-    <p:handoutMasterId r:id="rId19"/>
+    <p:handoutMasterId r:id="rId21"/>
   </p:handoutMasterIdLst>
   <p:sldIdLst>
     <p:sldId id="256" r:id="rId2"/>
@@ -25,8 +25,10 @@
     <p:sldId id="363" r:id="rId13"/>
     <p:sldId id="364" r:id="rId14"/>
     <p:sldId id="291" r:id="rId15"/>
-    <p:sldId id="289" r:id="rId16"/>
-    <p:sldId id="290" r:id="rId17"/>
+    <p:sldId id="372" r:id="rId16"/>
+    <p:sldId id="373" r:id="rId17"/>
+    <p:sldId id="289" r:id="rId18"/>
+    <p:sldId id="290" r:id="rId19"/>
   </p:sldIdLst>
   <p:sldSz cx="12192000" cy="6858000"/>
   <p:notesSz cx="6858000" cy="9144000"/>
@@ -241,7 +243,7 @@
           <a:p>
             <a:fld id="{4CF1B26F-F50B-4CD1-A949-8E2161FF5783}" type="datetimeFigureOut">
               <a:rPr lang="ko-KR" altLang="en-US" smtClean="0"/>
-              <a:t>2024-11-20</a:t>
+              <a:t>2024-11-21</a:t>
             </a:fld>
             <a:endParaRPr lang="ko-KR" altLang="en-US"/>
           </a:p>
@@ -406,7 +408,7 @@
           <a:p>
             <a:fld id="{CF85E8B1-1EC4-4F51-B647-F3992F4E116F}" type="datetimeFigureOut">
               <a:rPr lang="ko-KR" altLang="en-US" smtClean="0"/>
-              <a:t>2024-11-20</a:t>
+              <a:t>2024-11-21</a:t>
             </a:fld>
             <a:endParaRPr lang="ko-KR" altLang="en-US"/>
           </a:p>
@@ -1014,6 +1016,310 @@
 </p:notes>
 </file>
 
+<file path=ppt/notesSlides/notesSlide13.xml><?xml version="1.0" encoding="utf-8"?>
+<p:notes xmlns:a="http://schemas.openxmlformats.org/drawingml/2006/main" xmlns:r="http://schemas.openxmlformats.org/officeDocument/2006/relationships" xmlns:p="http://schemas.openxmlformats.org/presentationml/2006/main">
+  <p:cSld>
+    <p:spTree>
+      <p:nvGrpSpPr>
+        <p:cNvPr id="1" name=""/>
+        <p:cNvGrpSpPr/>
+        <p:nvPr/>
+      </p:nvGrpSpPr>
+      <p:grpSpPr>
+        <a:xfrm>
+          <a:off x="0" y="0"/>
+          <a:ext cx="0" cy="0"/>
+          <a:chOff x="0" y="0"/>
+          <a:chExt cx="0" cy="0"/>
+        </a:xfrm>
+      </p:grpSpPr>
+      <p:sp>
+        <p:nvSpPr>
+          <p:cNvPr id="2" name="슬라이드 이미지 개체 틀 1"/>
+          <p:cNvSpPr>
+            <a:spLocks noGrp="1" noRot="1" noChangeAspect="1"/>
+          </p:cNvSpPr>
+          <p:nvPr>
+            <p:ph type="sldImg"/>
+          </p:nvPr>
+        </p:nvSpPr>
+        <p:spPr/>
+      </p:sp>
+      <p:sp>
+        <p:nvSpPr>
+          <p:cNvPr id="3" name="슬라이드 노트 개체 틀 2"/>
+          <p:cNvSpPr>
+            <a:spLocks noGrp="1"/>
+          </p:cNvSpPr>
+          <p:nvPr>
+            <p:ph type="body" idx="1"/>
+          </p:nvPr>
+        </p:nvSpPr>
+        <p:spPr/>
+        <p:txBody>
+          <a:bodyPr/>
+          <a:lstStyle/>
+          <a:p>
+            <a:r>
+              <a:rPr lang="en-US" altLang="ko-KR" smtClean="0"/>
+              <a:t>int</a:t>
+            </a:r>
+            <a:r>
+              <a:rPr lang="ko-KR" altLang="en-US" smtClean="0"/>
+              <a:t>와 </a:t>
+            </a:r>
+            <a:r>
+              <a:rPr lang="en-US" altLang="ko-KR" smtClean="0"/>
+              <a:t>char</a:t>
+            </a:r>
+            <a:r>
+              <a:rPr lang="ko-KR" altLang="en-US" smtClean="0"/>
+              <a:t>는 의미를 명확히 전달하기 위해 더 긴 단어인 </a:t>
+            </a:r>
+            <a:r>
+              <a:rPr lang="en-US" altLang="ko-KR" smtClean="0"/>
+              <a:t>"Integer"</a:t>
+            </a:r>
+            <a:r>
+              <a:rPr lang="ko-KR" altLang="en-US" smtClean="0"/>
+              <a:t>와 </a:t>
+            </a:r>
+            <a:r>
+              <a:rPr lang="en-US" altLang="ko-KR" smtClean="0"/>
+              <a:t>"Character"</a:t>
+            </a:r>
+            <a:r>
+              <a:rPr lang="ko-KR" altLang="en-US" smtClean="0"/>
+              <a:t>를 사용했습니다</a:t>
+            </a:r>
+            <a:r>
+              <a:rPr lang="en-US" altLang="ko-KR" smtClean="0"/>
+              <a:t>.</a:t>
+            </a:r>
+            <a:endParaRPr lang="ko-KR" altLang="en-US"/>
+          </a:p>
+        </p:txBody>
+      </p:sp>
+      <p:sp>
+        <p:nvSpPr>
+          <p:cNvPr id="4" name="슬라이드 번호 개체 틀 3"/>
+          <p:cNvSpPr>
+            <a:spLocks noGrp="1"/>
+          </p:cNvSpPr>
+          <p:nvPr>
+            <p:ph type="sldNum" sz="quarter" idx="10"/>
+          </p:nvPr>
+        </p:nvSpPr>
+        <p:spPr/>
+        <p:txBody>
+          <a:bodyPr/>
+          <a:lstStyle/>
+          <a:p>
+            <a:fld id="{56D90D0A-B9F0-4AF4-81BB-E4A6A74A95B6}" type="slidenum">
+              <a:rPr lang="ko-KR" altLang="en-US" smtClean="0"/>
+              <a:t>15</a:t>
+            </a:fld>
+            <a:endParaRPr lang="ko-KR" altLang="en-US"/>
+          </a:p>
+        </p:txBody>
+      </p:sp>
+    </p:spTree>
+    <p:extLst>
+      <p:ext uri="{BB962C8B-B14F-4D97-AF65-F5344CB8AC3E}">
+        <p14:creationId xmlns:p14="http://schemas.microsoft.com/office/powerpoint/2010/main" val="2654996627"/>
+      </p:ext>
+    </p:extLst>
+  </p:cSld>
+  <p:clrMapOvr>
+    <a:masterClrMapping/>
+  </p:clrMapOvr>
+</p:notes>
+</file>
+
+<file path=ppt/notesSlides/notesSlide14.xml><?xml version="1.0" encoding="utf-8"?>
+<p:notes xmlns:a="http://schemas.openxmlformats.org/drawingml/2006/main" xmlns:r="http://schemas.openxmlformats.org/officeDocument/2006/relationships" xmlns:p="http://schemas.openxmlformats.org/presentationml/2006/main">
+  <p:cSld>
+    <p:spTree>
+      <p:nvGrpSpPr>
+        <p:cNvPr id="1" name=""/>
+        <p:cNvGrpSpPr/>
+        <p:nvPr/>
+      </p:nvGrpSpPr>
+      <p:grpSpPr>
+        <a:xfrm>
+          <a:off x="0" y="0"/>
+          <a:ext cx="0" cy="0"/>
+          <a:chOff x="0" y="0"/>
+          <a:chExt cx="0" cy="0"/>
+        </a:xfrm>
+      </p:grpSpPr>
+      <p:sp>
+        <p:nvSpPr>
+          <p:cNvPr id="2" name="슬라이드 이미지 개체 틀 1"/>
+          <p:cNvSpPr>
+            <a:spLocks noGrp="1" noRot="1" noChangeAspect="1"/>
+          </p:cNvSpPr>
+          <p:nvPr>
+            <p:ph type="sldImg"/>
+          </p:nvPr>
+        </p:nvSpPr>
+        <p:spPr/>
+      </p:sp>
+      <p:sp>
+        <p:nvSpPr>
+          <p:cNvPr id="3" name="슬라이드 노트 개체 틀 2"/>
+          <p:cNvSpPr>
+            <a:spLocks noGrp="1"/>
+          </p:cNvSpPr>
+          <p:nvPr>
+            <p:ph type="body" idx="1"/>
+          </p:nvPr>
+        </p:nvSpPr>
+        <p:spPr/>
+        <p:txBody>
+          <a:bodyPr/>
+          <a:lstStyle/>
+          <a:p>
+            <a:r>
+              <a:rPr lang="en-US" altLang="ko-KR" smtClean="0">
+                <a:latin typeface="+mj-lt"/>
+              </a:rPr>
+              <a:t>BigInteger</a:t>
+            </a:r>
+            <a:r>
+              <a:rPr lang="ko-KR" altLang="en-US" smtClean="0">
+                <a:latin typeface="+mj-lt"/>
+              </a:rPr>
+              <a:t>는 </a:t>
+            </a:r>
+            <a:r>
+              <a:rPr lang="ko-KR" altLang="en-US" b="1" smtClean="0">
+                <a:latin typeface="+mj-lt"/>
+              </a:rPr>
+              <a:t>범위를 초과하는 큰 정수를 처리하기 위해서</a:t>
+            </a:r>
+            <a:r>
+              <a:rPr lang="en-US" altLang="ko-KR" b="1" smtClean="0">
+                <a:latin typeface="+mj-lt"/>
+              </a:rPr>
+              <a:t>, </a:t>
+            </a:r>
+            <a:r>
+              <a:rPr lang="en-US" altLang="ko-KR" smtClean="0">
+                <a:latin typeface="+mj-lt"/>
+              </a:rPr>
+              <a:t>BigDecimal</a:t>
+            </a:r>
+            <a:r>
+              <a:rPr lang="ko-KR" altLang="en-US" smtClean="0">
+                <a:latin typeface="+mj-lt"/>
+              </a:rPr>
+              <a:t>는 </a:t>
+            </a:r>
+            <a:r>
+              <a:rPr lang="ko-KR" altLang="en-US" b="1" smtClean="0">
+                <a:latin typeface="+mj-lt"/>
+              </a:rPr>
+              <a:t>소수점 계산의 정밀도를 보장하기 위해</a:t>
+            </a:r>
+            <a:r>
+              <a:rPr lang="en-US" altLang="ko-KR" b="1" baseline="0" smtClean="0">
+                <a:latin typeface="+mj-lt"/>
+              </a:rPr>
+              <a:t> </a:t>
+            </a:r>
+            <a:r>
+              <a:rPr lang="ko-KR" altLang="en-US" b="1" baseline="0" smtClean="0">
+                <a:latin typeface="+mj-lt"/>
+              </a:rPr>
+              <a:t>추가되었습니다</a:t>
+            </a:r>
+            <a:r>
+              <a:rPr lang="en-US" altLang="ko-KR" b="1" baseline="0" smtClean="0">
+                <a:latin typeface="+mj-lt"/>
+              </a:rPr>
+              <a:t>.</a:t>
+            </a:r>
+            <a:endParaRPr lang="en-US" altLang="ko-KR" b="1" smtClean="0">
+              <a:latin typeface="+mj-lt"/>
+            </a:endParaRPr>
+          </a:p>
+          <a:p>
+            <a:r>
+              <a:rPr lang="ko-KR" altLang="en-US" b="1" smtClean="0">
+                <a:latin typeface="+mj-lt"/>
+              </a:rPr>
+              <a:t>자바 </a:t>
+            </a:r>
+            <a:r>
+              <a:rPr lang="en-US" altLang="ko-KR" b="1" smtClean="0">
+                <a:latin typeface="+mj-lt"/>
+              </a:rPr>
+              <a:t>1.1</a:t>
+            </a:r>
+            <a:r>
+              <a:rPr lang="ko-KR" altLang="en-US" b="1" smtClean="0">
+                <a:latin typeface="+mj-lt"/>
+              </a:rPr>
+              <a:t>에 추가되었으며 다른 래퍼 클래스는 자바 </a:t>
+            </a:r>
+            <a:r>
+              <a:rPr lang="en-US" altLang="ko-KR" b="1" smtClean="0">
+                <a:latin typeface="+mj-lt"/>
+              </a:rPr>
+              <a:t>1.0</a:t>
+            </a:r>
+            <a:r>
+              <a:rPr lang="ko-KR" altLang="en-US" b="1" smtClean="0">
+                <a:latin typeface="+mj-lt"/>
+              </a:rPr>
+              <a:t>에서 추가되었음</a:t>
+            </a:r>
+            <a:r>
+              <a:rPr lang="en-US" altLang="ko-KR" b="1" smtClean="0">
+                <a:latin typeface="+mj-lt"/>
+              </a:rPr>
+              <a:t>.</a:t>
+            </a:r>
+          </a:p>
+        </p:txBody>
+      </p:sp>
+      <p:sp>
+        <p:nvSpPr>
+          <p:cNvPr id="4" name="슬라이드 번호 개체 틀 3"/>
+          <p:cNvSpPr>
+            <a:spLocks noGrp="1"/>
+          </p:cNvSpPr>
+          <p:nvPr>
+            <p:ph type="sldNum" sz="quarter" idx="10"/>
+          </p:nvPr>
+        </p:nvSpPr>
+        <p:spPr/>
+        <p:txBody>
+          <a:bodyPr/>
+          <a:lstStyle/>
+          <a:p>
+            <a:fld id="{56D90D0A-B9F0-4AF4-81BB-E4A6A74A95B6}" type="slidenum">
+              <a:rPr lang="ko-KR" altLang="en-US" smtClean="0"/>
+              <a:t>16</a:t>
+            </a:fld>
+            <a:endParaRPr lang="ko-KR" altLang="en-US"/>
+          </a:p>
+        </p:txBody>
+      </p:sp>
+    </p:spTree>
+    <p:extLst>
+      <p:ext uri="{BB962C8B-B14F-4D97-AF65-F5344CB8AC3E}">
+        <p14:creationId xmlns:p14="http://schemas.microsoft.com/office/powerpoint/2010/main" val="2512679234"/>
+      </p:ext>
+    </p:extLst>
+  </p:cSld>
+  <p:clrMapOvr>
+    <a:masterClrMapping/>
+  </p:clrMapOvr>
+</p:notes>
+</file>
+
 <file path=ppt/notesSlides/notesSlide2.xml><?xml version="1.0" encoding="utf-8"?>
 <p:notes xmlns:a="http://schemas.openxmlformats.org/drawingml/2006/main" xmlns:r="http://schemas.openxmlformats.org/officeDocument/2006/relationships" xmlns:p="http://schemas.openxmlformats.org/presentationml/2006/main">
   <p:cSld>
@@ -1917,7 +2223,7 @@
           <a:p>
             <a:fld id="{C424A8B8-4B32-40BD-93B2-584DE8743A8B}" type="datetimeFigureOut">
               <a:rPr lang="ko-KR" altLang="en-US" smtClean="0"/>
-              <a:t>2024-11-20</a:t>
+              <a:t>2024-11-21</a:t>
             </a:fld>
             <a:endParaRPr lang="ko-KR" altLang="en-US"/>
           </a:p>
@@ -2094,7 +2400,7 @@
           <a:p>
             <a:fld id="{C424A8B8-4B32-40BD-93B2-584DE8743A8B}" type="datetimeFigureOut">
               <a:rPr lang="ko-KR" altLang="en-US" smtClean="0"/>
-              <a:t>2024-11-20</a:t>
+              <a:t>2024-11-21</a:t>
             </a:fld>
             <a:endParaRPr lang="ko-KR" altLang="en-US"/>
           </a:p>
@@ -2274,7 +2580,7 @@
           <a:p>
             <a:fld id="{C424A8B8-4B32-40BD-93B2-584DE8743A8B}" type="datetimeFigureOut">
               <a:rPr lang="ko-KR" altLang="en-US" smtClean="0"/>
-              <a:t>2024-11-20</a:t>
+              <a:t>2024-11-21</a:t>
             </a:fld>
             <a:endParaRPr lang="ko-KR" altLang="en-US"/>
           </a:p>
@@ -2444,7 +2750,7 @@
           <a:p>
             <a:fld id="{C424A8B8-4B32-40BD-93B2-584DE8743A8B}" type="datetimeFigureOut">
               <a:rPr lang="ko-KR" altLang="en-US" smtClean="0"/>
-              <a:t>2024-11-20</a:t>
+              <a:t>2024-11-21</a:t>
             </a:fld>
             <a:endParaRPr lang="ko-KR" altLang="en-US"/>
           </a:p>
@@ -2697,7 +3003,7 @@
           <a:p>
             <a:fld id="{C424A8B8-4B32-40BD-93B2-584DE8743A8B}" type="datetimeFigureOut">
               <a:rPr lang="ko-KR" altLang="en-US" smtClean="0"/>
-              <a:t>2024-11-20</a:t>
+              <a:t>2024-11-21</a:t>
             </a:fld>
             <a:endParaRPr lang="ko-KR" altLang="en-US"/>
           </a:p>
@@ -2929,7 +3235,7 @@
           <a:p>
             <a:fld id="{C424A8B8-4B32-40BD-93B2-584DE8743A8B}" type="datetimeFigureOut">
               <a:rPr lang="ko-KR" altLang="en-US" smtClean="0"/>
-              <a:t>2024-11-20</a:t>
+              <a:t>2024-11-21</a:t>
             </a:fld>
             <a:endParaRPr lang="ko-KR" altLang="en-US"/>
           </a:p>
@@ -3296,7 +3602,7 @@
           <a:p>
             <a:fld id="{C424A8B8-4B32-40BD-93B2-584DE8743A8B}" type="datetimeFigureOut">
               <a:rPr lang="ko-KR" altLang="en-US" smtClean="0"/>
-              <a:t>2024-11-20</a:t>
+              <a:t>2024-11-21</a:t>
             </a:fld>
             <a:endParaRPr lang="ko-KR" altLang="en-US"/>
           </a:p>
@@ -3414,7 +3720,7 @@
           <a:p>
             <a:fld id="{C424A8B8-4B32-40BD-93B2-584DE8743A8B}" type="datetimeFigureOut">
               <a:rPr lang="ko-KR" altLang="en-US" smtClean="0"/>
-              <a:t>2024-11-20</a:t>
+              <a:t>2024-11-21</a:t>
             </a:fld>
             <a:endParaRPr lang="ko-KR" altLang="en-US"/>
           </a:p>
@@ -3516,7 +3822,7 @@
           <a:p>
             <a:fld id="{C424A8B8-4B32-40BD-93B2-584DE8743A8B}" type="datetimeFigureOut">
               <a:rPr lang="ko-KR" altLang="en-US" smtClean="0"/>
-              <a:t>2024-11-20</a:t>
+              <a:t>2024-11-21</a:t>
             </a:fld>
             <a:endParaRPr lang="ko-KR" altLang="en-US"/>
           </a:p>
@@ -3800,7 +4106,7 @@
           <a:p>
             <a:fld id="{C424A8B8-4B32-40BD-93B2-584DE8743A8B}" type="datetimeFigureOut">
               <a:rPr lang="ko-KR" altLang="en-US" smtClean="0"/>
-              <a:t>2024-11-20</a:t>
+              <a:t>2024-11-21</a:t>
             </a:fld>
             <a:endParaRPr lang="ko-KR" altLang="en-US"/>
           </a:p>
@@ -4053,7 +4359,7 @@
           <a:p>
             <a:fld id="{C424A8B8-4B32-40BD-93B2-584DE8743A8B}" type="datetimeFigureOut">
               <a:rPr lang="ko-KR" altLang="en-US" smtClean="0"/>
-              <a:t>2024-11-20</a:t>
+              <a:t>2024-11-21</a:t>
             </a:fld>
             <a:endParaRPr lang="ko-KR" altLang="en-US"/>
           </a:p>
@@ -4269,7 +4575,7 @@
           <a:p>
             <a:fld id="{C424A8B8-4B32-40BD-93B2-584DE8743A8B}" type="datetimeFigureOut">
               <a:rPr lang="ko-KR" altLang="en-US" smtClean="0"/>
-              <a:t>2024-11-20</a:t>
+              <a:t>2024-11-21</a:t>
             </a:fld>
             <a:endParaRPr lang="ko-KR" altLang="en-US"/>
           </a:p>
@@ -5779,13 +6085,7 @@
               <a:rPr lang="ko-KR" altLang="en-US" sz="2000">
                 <a:latin typeface="+mn-ea"/>
               </a:rPr>
-              <a:t>같은 객체 기반 자료 </a:t>
-            </a:r>
-            <a:r>
-              <a:rPr lang="ko-KR" altLang="en-US" sz="2000">
-                <a:latin typeface="+mn-ea"/>
-              </a:rPr>
-              <a:t>구조에서 </a:t>
+              <a:t>같은 객체 기반 자료 구조에서 </a:t>
             </a:r>
             <a:r>
               <a:rPr lang="ko-KR" altLang="en-US" sz="2000" smtClean="0">
@@ -5821,19 +6121,7 @@
               <a:rPr lang="ko-KR" altLang="en-US" sz="2400" smtClean="0">
                 <a:latin typeface="+mn-ea"/>
               </a:rPr>
-              <a:t>래퍼 </a:t>
-            </a:r>
-            <a:r>
-              <a:rPr lang="ko-KR" altLang="en-US" sz="2400" smtClean="0">
-                <a:latin typeface="+mn-ea"/>
-              </a:rPr>
-              <a:t>클래스 </a:t>
-            </a:r>
-            <a:r>
-              <a:rPr lang="ko-KR" altLang="en-US" sz="2400" smtClean="0">
-                <a:latin typeface="+mn-ea"/>
-              </a:rPr>
-              <a:t>특징</a:t>
+              <a:t>래퍼 클래스 특징</a:t>
             </a:r>
             <a:endParaRPr lang="en-US" altLang="ko-KR" sz="2400" smtClean="0">
               <a:latin typeface="+mn-ea"/>
@@ -6089,19 +6377,7 @@
               <a:rPr lang="ko-KR" altLang="en-US" sz="2000" smtClean="0">
                 <a:latin typeface="+mn-ea"/>
               </a:rPr>
-              <a:t>자바에서 기본형 타입과 래퍼 클래스간의 자동 </a:t>
-            </a:r>
-            <a:r>
-              <a:rPr lang="ko-KR" altLang="en-US" sz="2000" smtClean="0">
-                <a:latin typeface="+mn-ea"/>
-              </a:rPr>
-              <a:t>형변환을 </a:t>
-            </a:r>
-            <a:r>
-              <a:rPr lang="ko-KR" altLang="en-US" sz="2000" smtClean="0">
-                <a:latin typeface="+mn-ea"/>
-              </a:rPr>
-              <a:t>의미함</a:t>
+              <a:t>자바에서 기본형 타입과 래퍼 클래스간의 자동 형변환을 의미함</a:t>
             </a:r>
             <a:endParaRPr lang="en-US" altLang="ko-KR" sz="2000" smtClean="0">
               <a:latin typeface="+mn-ea"/>
@@ -6290,6 +6566,180 @@
       </p:grpSpPr>
       <p:sp>
         <p:nvSpPr>
+          <p:cNvPr id="4" name="직사각형 3"/>
+          <p:cNvSpPr/>
+          <p:nvPr/>
+        </p:nvSpPr>
+        <p:spPr>
+          <a:xfrm>
+            <a:off x="1734699" y="2457889"/>
+            <a:ext cx="9558141" cy="1105174"/>
+          </a:xfrm>
+          <a:prstGeom prst="rect">
+            <a:avLst/>
+          </a:prstGeom>
+        </p:spPr>
+        <p:txBody>
+          <a:bodyPr wrap="square">
+            <a:spAutoFit/>
+          </a:bodyPr>
+          <a:lstStyle/>
+          <a:p>
+            <a:pPr>
+              <a:lnSpc>
+                <a:spcPct val="250000"/>
+              </a:lnSpc>
+            </a:pPr>
+            <a:r>
+              <a:rPr lang="en-US" altLang="ko-KR" sz="3200" b="1" smtClean="0">
+                <a:latin typeface="+mn-ea"/>
+              </a:rPr>
+              <a:t>Q. int, char </a:t>
+            </a:r>
+            <a:r>
+              <a:rPr lang="ko-KR" altLang="en-US" sz="3200" b="1" smtClean="0">
+                <a:latin typeface="+mn-ea"/>
+              </a:rPr>
+              <a:t>타입만 래퍼 클래스명이 다른 이유</a:t>
+            </a:r>
+            <a:r>
+              <a:rPr lang="en-US" altLang="ko-KR" sz="3200" b="1" smtClean="0">
+                <a:latin typeface="+mn-ea"/>
+              </a:rPr>
+              <a:t>?</a:t>
+            </a:r>
+            <a:endParaRPr lang="en-US" altLang="ko-KR" sz="3200" b="1" smtClean="0">
+              <a:latin typeface="+mn-ea"/>
+            </a:endParaRPr>
+          </a:p>
+        </p:txBody>
+      </p:sp>
+    </p:spTree>
+    <p:extLst>
+      <p:ext uri="{BB962C8B-B14F-4D97-AF65-F5344CB8AC3E}">
+        <p14:creationId xmlns:p14="http://schemas.microsoft.com/office/powerpoint/2010/main" val="204564136"/>
+      </p:ext>
+    </p:extLst>
+  </p:cSld>
+  <p:clrMapOvr>
+    <a:masterClrMapping/>
+  </p:clrMapOvr>
+  <p:timing>
+    <p:tnLst>
+      <p:par>
+        <p:cTn id="1" dur="indefinite" restart="never" nodeType="tmRoot"/>
+      </p:par>
+    </p:tnLst>
+  </p:timing>
+</p:sld>
+</file>
+
+<file path=ppt/slides/slide16.xml><?xml version="1.0" encoding="utf-8"?>
+<p:sld xmlns:a="http://schemas.openxmlformats.org/drawingml/2006/main" xmlns:r="http://schemas.openxmlformats.org/officeDocument/2006/relationships" xmlns:p="http://schemas.openxmlformats.org/presentationml/2006/main">
+  <p:cSld>
+    <p:spTree>
+      <p:nvGrpSpPr>
+        <p:cNvPr id="1" name=""/>
+        <p:cNvGrpSpPr/>
+        <p:nvPr/>
+      </p:nvGrpSpPr>
+      <p:grpSpPr>
+        <a:xfrm>
+          <a:off x="0" y="0"/>
+          <a:ext cx="0" cy="0"/>
+          <a:chOff x="0" y="0"/>
+          <a:chExt cx="0" cy="0"/>
+        </a:xfrm>
+      </p:grpSpPr>
+      <p:sp>
+        <p:nvSpPr>
+          <p:cNvPr id="4" name="직사각형 3"/>
+          <p:cNvSpPr/>
+          <p:nvPr/>
+        </p:nvSpPr>
+        <p:spPr>
+          <a:xfrm>
+            <a:off x="1734699" y="2457889"/>
+            <a:ext cx="9558141" cy="1323439"/>
+          </a:xfrm>
+          <a:prstGeom prst="rect">
+            <a:avLst/>
+          </a:prstGeom>
+        </p:spPr>
+        <p:txBody>
+          <a:bodyPr wrap="square">
+            <a:spAutoFit/>
+          </a:bodyPr>
+          <a:lstStyle/>
+          <a:p>
+            <a:pPr>
+              <a:lnSpc>
+                <a:spcPct val="250000"/>
+              </a:lnSpc>
+            </a:pPr>
+            <a:r>
+              <a:rPr lang="en-US" altLang="ko-KR" sz="3200" b="1" smtClean="0">
+                <a:latin typeface="+mn-ea"/>
+              </a:rPr>
+              <a:t>Q. BigIntegr, BigDecimal </a:t>
+            </a:r>
+            <a:r>
+              <a:rPr lang="ko-KR" altLang="en-US" sz="3200" b="1" smtClean="0">
+                <a:latin typeface="+mn-ea"/>
+              </a:rPr>
+              <a:t>클래스가 추가된 이유</a:t>
+            </a:r>
+            <a:r>
+              <a:rPr lang="en-US" altLang="ko-KR" sz="3200" b="1" smtClean="0">
+                <a:latin typeface="+mn-ea"/>
+              </a:rPr>
+              <a:t>?</a:t>
+            </a:r>
+            <a:endParaRPr lang="en-US" altLang="ko-KR" sz="3200" b="1" smtClean="0">
+              <a:latin typeface="+mn-ea"/>
+            </a:endParaRPr>
+          </a:p>
+        </p:txBody>
+      </p:sp>
+    </p:spTree>
+    <p:extLst>
+      <p:ext uri="{BB962C8B-B14F-4D97-AF65-F5344CB8AC3E}">
+        <p14:creationId xmlns:p14="http://schemas.microsoft.com/office/powerpoint/2010/main" val="2528850290"/>
+      </p:ext>
+    </p:extLst>
+  </p:cSld>
+  <p:clrMapOvr>
+    <a:masterClrMapping/>
+  </p:clrMapOvr>
+  <p:timing>
+    <p:tnLst>
+      <p:par>
+        <p:cTn id="1" dur="indefinite" restart="never" nodeType="tmRoot"/>
+      </p:par>
+    </p:tnLst>
+  </p:timing>
+</p:sld>
+</file>
+
+<file path=ppt/slides/slide17.xml><?xml version="1.0" encoding="utf-8"?>
+<p:sld xmlns:a="http://schemas.openxmlformats.org/drawingml/2006/main" xmlns:r="http://schemas.openxmlformats.org/officeDocument/2006/relationships" xmlns:p="http://schemas.openxmlformats.org/presentationml/2006/main">
+  <p:cSld>
+    <p:spTree>
+      <p:nvGrpSpPr>
+        <p:cNvPr id="1" name=""/>
+        <p:cNvGrpSpPr/>
+        <p:nvPr/>
+      </p:nvGrpSpPr>
+      <p:grpSpPr>
+        <a:xfrm>
+          <a:off x="0" y="0"/>
+          <a:ext cx="0" cy="0"/>
+          <a:chOff x="0" y="0"/>
+          <a:chExt cx="0" cy="0"/>
+        </a:xfrm>
+      </p:grpSpPr>
+      <p:sp>
+        <p:nvSpPr>
           <p:cNvPr id="2" name="직사각형 1"/>
           <p:cNvSpPr/>
           <p:nvPr/>
@@ -6394,7 +6844,7 @@
 </p:sld>
 </file>
 
-<file path=ppt/slides/slide16.xml><?xml version="1.0" encoding="utf-8"?>
+<file path=ppt/slides/slide18.xml><?xml version="1.0" encoding="utf-8"?>
 <p:sld xmlns:a="http://schemas.openxmlformats.org/drawingml/2006/main" xmlns:r="http://schemas.openxmlformats.org/officeDocument/2006/relationships" xmlns:p="http://schemas.openxmlformats.org/presentationml/2006/main">
   <p:cSld>
     <p:spTree>
@@ -7088,16 +7538,7 @@
                 </a:solidFill>
                 <a:latin typeface="+mj-ea"/>
               </a:rPr>
-              <a:t>래퍼 </a:t>
-            </a:r>
-            <a:r>
-              <a:rPr lang="ko-KR" altLang="en-US" sz="5400" b="1" smtClean="0">
-                <a:solidFill>
-                  <a:schemeClr val="bg1"/>
-                </a:solidFill>
-                <a:latin typeface="+mj-ea"/>
-              </a:rPr>
-              <a:t>클래스란</a:t>
+              <a:t>래퍼 클래스란</a:t>
             </a:r>
             <a:r>
               <a:rPr lang="en-US" altLang="ko-KR" sz="5400" b="1" smtClean="0">
@@ -7176,16 +7617,7 @@
                 </a:solidFill>
                 <a:latin typeface="+mn-ea"/>
               </a:rPr>
-              <a:t>(primitive</a:t>
-            </a:r>
-            <a:r>
-              <a:rPr lang="en-US" altLang="ko-KR" sz="2000" smtClean="0">
-                <a:solidFill>
-                  <a:srgbClr val="FF0000"/>
-                </a:solidFill>
-                <a:latin typeface="+mn-ea"/>
-              </a:rPr>
-              <a:t>) </a:t>
+              <a:t>(primitive) </a:t>
             </a:r>
             <a:r>
               <a:rPr lang="ko-KR" altLang="en-US" sz="2000" smtClean="0">
@@ -7194,16 +7626,7 @@
                 </a:solidFill>
                 <a:latin typeface="+mn-ea"/>
               </a:rPr>
-              <a:t>타입을 </a:t>
-            </a:r>
-            <a:r>
-              <a:rPr lang="ko-KR" altLang="en-US" sz="2000" smtClean="0">
-                <a:solidFill>
-                  <a:srgbClr val="FF0000"/>
-                </a:solidFill>
-                <a:latin typeface="+mn-ea"/>
-              </a:rPr>
-              <a:t>객체처럼 사용할 수 있게 해주는 클래스</a:t>
+              <a:t>타입을 객체처럼 사용할 수 있게 해주는 클래스</a:t>
             </a:r>
             <a:endParaRPr lang="en-US" altLang="ko-KR" sz="2000">
               <a:solidFill>
@@ -7580,16 +8003,7 @@
                 </a:solidFill>
                 <a:latin typeface="+mj-ea"/>
               </a:rPr>
-              <a:t>래퍼 </a:t>
-            </a:r>
-            <a:r>
-              <a:rPr lang="ko-KR" altLang="en-US" sz="5400" b="1" smtClean="0">
-                <a:solidFill>
-                  <a:schemeClr val="bg1"/>
-                </a:solidFill>
-                <a:latin typeface="+mj-ea"/>
-              </a:rPr>
-              <a:t>클래스란</a:t>
+              <a:t>래퍼 클래스란</a:t>
             </a:r>
             <a:r>
               <a:rPr lang="en-US" altLang="ko-KR" sz="5400" b="1" smtClean="0">
@@ -7643,9 +8057,6 @@
               </a:rPr>
               <a:t>주요 래퍼 클래스</a:t>
             </a:r>
-            <a:endParaRPr lang="ko-KR" altLang="en-US" sz="2400" smtClean="0">
-              <a:latin typeface="+mn-ea"/>
-            </a:endParaRPr>
           </a:p>
         </p:txBody>
       </p:sp>
@@ -8258,16 +8669,7 @@
                 </a:solidFill>
                 <a:latin typeface="+mj-ea"/>
               </a:rPr>
-              <a:t>래퍼 </a:t>
-            </a:r>
-            <a:r>
-              <a:rPr lang="ko-KR" altLang="en-US" sz="5400" b="1" smtClean="0">
-                <a:solidFill>
-                  <a:schemeClr val="bg1"/>
-                </a:solidFill>
-                <a:latin typeface="+mj-ea"/>
-              </a:rPr>
-              <a:t>클래스란</a:t>
+              <a:t>래퍼 클래스란</a:t>
             </a:r>
             <a:r>
               <a:rPr lang="en-US" altLang="ko-KR" sz="5400" b="1" smtClean="0">
@@ -8929,13 +9331,7 @@
               <a:rPr lang="ko-KR" altLang="en-US" sz="2000" smtClean="0">
                 <a:latin typeface="+mn-ea"/>
               </a:rPr>
-              <a:t>을 가질수 </a:t>
-            </a:r>
-            <a:r>
-              <a:rPr lang="ko-KR" altLang="en-US" sz="2000" smtClean="0">
-                <a:latin typeface="+mn-ea"/>
-              </a:rPr>
-              <a:t>없지만</a:t>
+              <a:t>을 가질수 없지만</a:t>
             </a:r>
             <a:endParaRPr lang="en-US" altLang="ko-KR" sz="2000">
               <a:latin typeface="+mn-ea"/>
@@ -8957,31 +9353,19 @@
               <a:rPr lang="ko-KR" altLang="en-US" sz="2000" smtClean="0">
                 <a:latin typeface="+mn-ea"/>
               </a:rPr>
-              <a:t>래퍼 클래스는 </a:t>
+              <a:t>래퍼 클래스는 객체이므로 </a:t>
+            </a:r>
+            <a:r>
+              <a:rPr lang="en-US" altLang="ko-KR" sz="2000" smtClean="0">
+                <a:latin typeface="+mn-ea"/>
+              </a:rPr>
+              <a:t>null </a:t>
             </a:r>
             <a:r>
               <a:rPr lang="ko-KR" altLang="en-US" sz="2000" smtClean="0">
                 <a:latin typeface="+mn-ea"/>
               </a:rPr>
-              <a:t>객체이므로 </a:t>
-            </a:r>
-            <a:r>
-              <a:rPr lang="en-US" altLang="ko-KR" sz="2000" smtClean="0">
-                <a:latin typeface="+mn-ea"/>
-              </a:rPr>
-              <a:t>null </a:t>
-            </a:r>
-            <a:r>
-              <a:rPr lang="ko-KR" altLang="en-US" sz="2000" smtClean="0">
-                <a:latin typeface="+mn-ea"/>
-              </a:rPr>
-              <a:t>값 </a:t>
-            </a:r>
-            <a:r>
-              <a:rPr lang="ko-KR" altLang="en-US" sz="2000" smtClean="0">
-                <a:latin typeface="+mn-ea"/>
-              </a:rPr>
-              <a:t>허용이 가능함</a:t>
+              <a:t>값 허용이 가능함</a:t>
             </a:r>
             <a:endParaRPr lang="en-US" altLang="ko-KR" sz="2000" smtClean="0">
               <a:latin typeface="+mn-ea"/>
@@ -9871,25 +10255,7 @@
                 </a:solidFill>
                 <a:latin typeface="+mn-ea"/>
               </a:rPr>
-              <a:t>기본형 </a:t>
-            </a:r>
-            <a:r>
-              <a:rPr lang="ko-KR" altLang="en-US" sz="2000" smtClean="0">
-                <a:solidFill>
-                  <a:srgbClr val="FF0000"/>
-                </a:solidFill>
-                <a:latin typeface="+mn-ea"/>
-              </a:rPr>
-              <a:t>타입과 래퍼 클래스간의 자동 </a:t>
-            </a:r>
-            <a:r>
-              <a:rPr lang="ko-KR" altLang="en-US" sz="2000" smtClean="0">
-                <a:solidFill>
-                  <a:srgbClr val="FF0000"/>
-                </a:solidFill>
-                <a:latin typeface="+mn-ea"/>
-              </a:rPr>
-              <a:t>형변환을 의미하며</a:t>
+              <a:t>기본형 타입과 래퍼 클래스간의 자동 형변환을 의미하며</a:t>
             </a:r>
             <a:r>
               <a:rPr lang="en-US" altLang="ko-KR" sz="2000" smtClean="0">
@@ -9947,13 +10313,7 @@
               <a:rPr lang="ko-KR" altLang="en-US" sz="2000" smtClean="0">
                 <a:latin typeface="+mn-ea"/>
               </a:rPr>
-              <a:t>부터 </a:t>
-            </a:r>
-            <a:r>
-              <a:rPr lang="ko-KR" altLang="en-US" sz="2000" smtClean="0">
-                <a:latin typeface="+mn-ea"/>
-              </a:rPr>
-              <a:t>추가되었음</a:t>
+              <a:t>부터 추가되었음</a:t>
             </a:r>
             <a:endParaRPr lang="en-US" altLang="ko-KR" sz="2000" smtClean="0">
               <a:latin typeface="+mn-ea"/>

--- a/발표자료/20241122/20241122_래퍼클래스.pptx
+++ b/발표자료/20241122/20241122_래퍼클래스.pptx
@@ -243,7 +243,7 @@
           <a:p>
             <a:fld id="{4CF1B26F-F50B-4CD1-A949-8E2161FF5783}" type="datetimeFigureOut">
               <a:rPr lang="ko-KR" altLang="en-US" smtClean="0"/>
-              <a:t>2024-11-21</a:t>
+              <a:t>2024-11-22</a:t>
             </a:fld>
             <a:endParaRPr lang="ko-KR" altLang="en-US"/>
           </a:p>
@@ -408,7 +408,7 @@
           <a:p>
             <a:fld id="{CF85E8B1-1EC4-4F51-B647-F3992F4E116F}" type="datetimeFigureOut">
               <a:rPr lang="ko-KR" altLang="en-US" smtClean="0"/>
-              <a:t>2024-11-21</a:t>
+              <a:t>2024-11-22</a:t>
             </a:fld>
             <a:endParaRPr lang="ko-KR" altLang="en-US"/>
           </a:p>
@@ -721,8 +721,20 @@
           <a:lstStyle/>
           <a:p>
             <a:r>
+              <a:rPr lang="ko-KR" altLang="en-US" smtClean="0"/>
+              <a:t>오늘은 </a:t>
+            </a:r>
+            <a:r>
               <a:rPr lang="en-US" altLang="ko-KR" smtClean="0"/>
-              <a:t>S</a:t>
+              <a:t>Java</a:t>
+            </a:r>
+            <a:r>
+              <a:rPr lang="ko-KR" altLang="en-US" smtClean="0"/>
+              <a:t>의 래퍼 클래스에 대해</a:t>
+            </a:r>
+            <a:r>
+              <a:rPr lang="ko-KR" altLang="en-US" baseline="0" smtClean="0"/>
+              <a:t> 발표하도록 할게</a:t>
             </a:r>
             <a:endParaRPr lang="ko-KR" altLang="en-US"/>
           </a:p>
@@ -745,7 +757,7 @@
           <a:p>
             <a:fld id="{56D90D0A-B9F0-4AF4-81BB-E4A6A74A95B6}" type="slidenum">
               <a:rPr lang="ko-KR" altLang="en-US" smtClean="0"/>
-              <a:t>2</a:t>
+              <a:t>1</a:t>
             </a:fld>
             <a:endParaRPr lang="ko-KR" altLang="en-US"/>
           </a:p>
@@ -754,7 +766,7 @@
     </p:spTree>
     <p:extLst>
       <p:ext uri="{BB962C8B-B14F-4D97-AF65-F5344CB8AC3E}">
-        <p14:creationId xmlns:p14="http://schemas.microsoft.com/office/powerpoint/2010/main" val="48952564"/>
+        <p14:creationId xmlns:p14="http://schemas.microsoft.com/office/powerpoint/2010/main" val="2613428423"/>
       </p:ext>
     </p:extLst>
   </p:cSld>
@@ -808,7 +820,21 @@
           <a:bodyPr/>
           <a:lstStyle/>
           <a:p>
-            <a:endParaRPr lang="ko-KR" altLang="en-US" dirty="0"/>
+            <a:r>
+              <a:rPr lang="ko-KR" altLang="en-US" smtClean="0"/>
+              <a:t>소스 코드를 통해 오토박싱과 오토언박싱</a:t>
+            </a:r>
+            <a:r>
+              <a:rPr lang="ko-KR" altLang="en-US" baseline="0" smtClean="0"/>
+              <a:t> 과정을 좀 더 살펴볼게</a:t>
+            </a:r>
+            <a:r>
+              <a:rPr lang="en-US" altLang="ko-KR" baseline="0" smtClean="0"/>
+              <a:t>.</a:t>
+            </a:r>
+          </a:p>
+          <a:p>
+            <a:endParaRPr lang="en-US" altLang="ko-KR" baseline="0" smtClean="0"/>
           </a:p>
         </p:txBody>
       </p:sp>
@@ -829,7 +855,7 @@
           <a:p>
             <a:fld id="{56D90D0A-B9F0-4AF4-81BB-E4A6A74A95B6}" type="slidenum">
               <a:rPr lang="ko-KR" altLang="en-US" smtClean="0"/>
-              <a:t>11</a:t>
+              <a:t>10</a:t>
             </a:fld>
             <a:endParaRPr lang="ko-KR" altLang="en-US"/>
           </a:p>
@@ -838,7 +864,7 @@
     </p:spTree>
     <p:extLst>
       <p:ext uri="{BB962C8B-B14F-4D97-AF65-F5344CB8AC3E}">
-        <p14:creationId xmlns:p14="http://schemas.microsoft.com/office/powerpoint/2010/main" val="2358844448"/>
+        <p14:creationId xmlns:p14="http://schemas.microsoft.com/office/powerpoint/2010/main" val="3780787922"/>
       </p:ext>
     </p:extLst>
   </p:cSld>
@@ -913,7 +939,7 @@
           <a:p>
             <a:fld id="{56D90D0A-B9F0-4AF4-81BB-E4A6A74A95B6}" type="slidenum">
               <a:rPr lang="ko-KR" altLang="en-US" smtClean="0"/>
-              <a:t>12</a:t>
+              <a:t>11</a:t>
             </a:fld>
             <a:endParaRPr lang="ko-KR" altLang="en-US"/>
           </a:p>
@@ -922,7 +948,7 @@
     </p:spTree>
     <p:extLst>
       <p:ext uri="{BB962C8B-B14F-4D97-AF65-F5344CB8AC3E}">
-        <p14:creationId xmlns:p14="http://schemas.microsoft.com/office/powerpoint/2010/main" val="3699711147"/>
+        <p14:creationId xmlns:p14="http://schemas.microsoft.com/office/powerpoint/2010/main" val="2358844448"/>
       </p:ext>
     </p:extLst>
   </p:cSld>
@@ -976,7 +1002,63 @@
           <a:bodyPr/>
           <a:lstStyle/>
           <a:p>
-            <a:endParaRPr lang="ko-KR" altLang="en-US" dirty="0"/>
+            <a:r>
+              <a:rPr lang="ko-KR" altLang="en-US" smtClean="0"/>
+              <a:t>지금까지 발표한 내용을 정리해볼게</a:t>
+            </a:r>
+            <a:r>
+              <a:rPr lang="en-US" altLang="ko-KR" smtClean="0"/>
+              <a:t>.</a:t>
+            </a:r>
+          </a:p>
+          <a:p>
+            <a:endParaRPr lang="en-US" altLang="ko-KR" smtClean="0"/>
+          </a:p>
+          <a:p>
+            <a:r>
+              <a:rPr lang="ko-KR" altLang="en-US" smtClean="0"/>
+              <a:t>래퍼 클래스는 기본형 타입을 객체로 다룰 수 있게 해주는 클래스입니다</a:t>
+            </a:r>
+            <a:r>
+              <a:rPr lang="en-US" altLang="ko-KR" smtClean="0"/>
+              <a:t>.</a:t>
+            </a:r>
+          </a:p>
+          <a:p>
+            <a:r>
+              <a:rPr lang="ko-KR" altLang="en-US" smtClean="0"/>
+              <a:t>컬렉션과 같은 객체 기반 자료 구조에서 기본형 타입을 저장하기 위해 만들어졌습니다</a:t>
+            </a:r>
+            <a:r>
+              <a:rPr lang="en-US" altLang="ko-KR" smtClean="0"/>
+              <a:t>.</a:t>
+            </a:r>
+          </a:p>
+          <a:p>
+            <a:r>
+              <a:rPr lang="ko-KR" altLang="en-US" smtClean="0"/>
+              <a:t>래퍼 클래스는 </a:t>
+            </a:r>
+            <a:r>
+              <a:rPr lang="en-US" altLang="ko-KR" smtClean="0"/>
+              <a:t>null </a:t>
+            </a:r>
+            <a:r>
+              <a:rPr lang="ko-KR" altLang="en-US" smtClean="0"/>
+              <a:t>값을 처리할 수 있으며</a:t>
+            </a:r>
+            <a:r>
+              <a:rPr lang="en-US" altLang="ko-KR" smtClean="0"/>
+              <a:t>, </a:t>
+            </a:r>
+            <a:r>
+              <a:rPr lang="ko-KR" altLang="en-US" smtClean="0"/>
+              <a:t>불변 객체입니다</a:t>
+            </a:r>
+            <a:r>
+              <a:rPr lang="en-US" altLang="ko-KR" smtClean="0"/>
+              <a:t>.</a:t>
+            </a:r>
           </a:p>
         </p:txBody>
       </p:sp>
@@ -997,7 +1079,7 @@
           <a:p>
             <a:fld id="{56D90D0A-B9F0-4AF4-81BB-E4A6A74A95B6}" type="slidenum">
               <a:rPr lang="ko-KR" altLang="en-US" smtClean="0"/>
-              <a:t>13</a:t>
+              <a:t>12</a:t>
             </a:fld>
             <a:endParaRPr lang="ko-KR" altLang="en-US"/>
           </a:p>
@@ -1006,7 +1088,7 @@
     </p:spTree>
     <p:extLst>
       <p:ext uri="{BB962C8B-B14F-4D97-AF65-F5344CB8AC3E}">
-        <p14:creationId xmlns:p14="http://schemas.microsoft.com/office/powerpoint/2010/main" val="3338215388"/>
+        <p14:creationId xmlns:p14="http://schemas.microsoft.com/office/powerpoint/2010/main" val="3699711147"/>
       </p:ext>
     </p:extLst>
   </p:cSld>
@@ -1060,6 +1142,223 @@
           <a:bodyPr/>
           <a:lstStyle/>
           <a:p>
+            <a:pPr marL="0" marR="0" indent="0" algn="l" defTabSz="914400" rtl="0" eaLnBrk="1" fontAlgn="auto" latinLnBrk="1" hangingPunct="1">
+              <a:lnSpc>
+                <a:spcPct val="100000"/>
+              </a:lnSpc>
+              <a:spcBef>
+                <a:spcPts val="0"/>
+              </a:spcBef>
+              <a:spcAft>
+                <a:spcPts val="0"/>
+              </a:spcAft>
+              <a:buClrTx/>
+              <a:buSzTx/>
+              <a:buFontTx/>
+              <a:buNone/>
+              <a:tabLst/>
+              <a:defRPr/>
+            </a:pPr>
+            <a:r>
+              <a:rPr lang="ko-KR" altLang="en-US" smtClean="0"/>
+              <a:t>오토박싱과 오토언박싱는 </a:t>
+            </a:r>
+            <a:r>
+              <a:rPr lang="ko-KR" altLang="en-US" sz="1200" smtClean="0">
+                <a:latin typeface="+mn-ea"/>
+              </a:rPr>
+              <a:t>기본형 타입과 래퍼 클래스간의 자동 형변환을 의미하며</a:t>
+            </a:r>
+            <a:r>
+              <a:rPr lang="en-US" altLang="ko-KR" sz="1200" smtClean="0">
+                <a:latin typeface="+mn-ea"/>
+              </a:rPr>
+              <a:t> </a:t>
+            </a:r>
+            <a:r>
+              <a:rPr lang="ko-KR" altLang="en-US" smtClean="0"/>
+              <a:t>코드의 간결성을 높일 수 있습니다</a:t>
+            </a:r>
+            <a:r>
+              <a:rPr lang="en-US" altLang="ko-KR" smtClean="0"/>
+              <a:t>.</a:t>
+            </a:r>
+            <a:endParaRPr lang="ko-KR" altLang="en-US" dirty="0"/>
+          </a:p>
+        </p:txBody>
+      </p:sp>
+      <p:sp>
+        <p:nvSpPr>
+          <p:cNvPr id="4" name="슬라이드 번호 개체 틀 3"/>
+          <p:cNvSpPr>
+            <a:spLocks noGrp="1"/>
+          </p:cNvSpPr>
+          <p:nvPr>
+            <p:ph type="sldNum" sz="quarter" idx="10"/>
+          </p:nvPr>
+        </p:nvSpPr>
+        <p:spPr/>
+        <p:txBody>
+          <a:bodyPr/>
+          <a:lstStyle/>
+          <a:p>
+            <a:fld id="{56D90D0A-B9F0-4AF4-81BB-E4A6A74A95B6}" type="slidenum">
+              <a:rPr lang="ko-KR" altLang="en-US" smtClean="0"/>
+              <a:t>13</a:t>
+            </a:fld>
+            <a:endParaRPr lang="ko-KR" altLang="en-US"/>
+          </a:p>
+        </p:txBody>
+      </p:sp>
+    </p:spTree>
+    <p:extLst>
+      <p:ext uri="{BB962C8B-B14F-4D97-AF65-F5344CB8AC3E}">
+        <p14:creationId xmlns:p14="http://schemas.microsoft.com/office/powerpoint/2010/main" val="3338215388"/>
+      </p:ext>
+    </p:extLst>
+  </p:cSld>
+  <p:clrMapOvr>
+    <a:masterClrMapping/>
+  </p:clrMapOvr>
+</p:notes>
+</file>
+
+<file path=ppt/notesSlides/notesSlide14.xml><?xml version="1.0" encoding="utf-8"?>
+<p:notes xmlns:a="http://schemas.openxmlformats.org/drawingml/2006/main" xmlns:r="http://schemas.openxmlformats.org/officeDocument/2006/relationships" xmlns:p="http://schemas.openxmlformats.org/presentationml/2006/main">
+  <p:cSld>
+    <p:spTree>
+      <p:nvGrpSpPr>
+        <p:cNvPr id="1" name=""/>
+        <p:cNvGrpSpPr/>
+        <p:nvPr/>
+      </p:nvGrpSpPr>
+      <p:grpSpPr>
+        <a:xfrm>
+          <a:off x="0" y="0"/>
+          <a:ext cx="0" cy="0"/>
+          <a:chOff x="0" y="0"/>
+          <a:chExt cx="0" cy="0"/>
+        </a:xfrm>
+      </p:grpSpPr>
+      <p:sp>
+        <p:nvSpPr>
+          <p:cNvPr id="2" name="슬라이드 이미지 개체 틀 1"/>
+          <p:cNvSpPr>
+            <a:spLocks noGrp="1" noRot="1" noChangeAspect="1"/>
+          </p:cNvSpPr>
+          <p:nvPr>
+            <p:ph type="sldImg"/>
+          </p:nvPr>
+        </p:nvSpPr>
+        <p:spPr/>
+      </p:sp>
+      <p:sp>
+        <p:nvSpPr>
+          <p:cNvPr id="3" name="슬라이드 노트 개체 틀 2"/>
+          <p:cNvSpPr>
+            <a:spLocks noGrp="1"/>
+          </p:cNvSpPr>
+          <p:nvPr>
+            <p:ph type="body" idx="1"/>
+          </p:nvPr>
+        </p:nvSpPr>
+        <p:spPr/>
+        <p:txBody>
+          <a:bodyPr/>
+          <a:lstStyle/>
+          <a:p>
+            <a:r>
+              <a:rPr lang="ko-KR" altLang="en-US" smtClean="0"/>
+              <a:t>이제 질문을 받을게</a:t>
+            </a:r>
+            <a:r>
+              <a:rPr lang="en-US" altLang="ko-KR" smtClean="0"/>
+              <a:t>.</a:t>
+            </a:r>
+            <a:endParaRPr lang="ko-KR" altLang="en-US"/>
+          </a:p>
+        </p:txBody>
+      </p:sp>
+      <p:sp>
+        <p:nvSpPr>
+          <p:cNvPr id="4" name="슬라이드 번호 개체 틀 3"/>
+          <p:cNvSpPr>
+            <a:spLocks noGrp="1"/>
+          </p:cNvSpPr>
+          <p:nvPr>
+            <p:ph type="sldNum" sz="quarter" idx="10"/>
+          </p:nvPr>
+        </p:nvSpPr>
+        <p:spPr/>
+        <p:txBody>
+          <a:bodyPr/>
+          <a:lstStyle/>
+          <a:p>
+            <a:fld id="{56D90D0A-B9F0-4AF4-81BB-E4A6A74A95B6}" type="slidenum">
+              <a:rPr lang="ko-KR" altLang="en-US" smtClean="0"/>
+              <a:t>14</a:t>
+            </a:fld>
+            <a:endParaRPr lang="ko-KR" altLang="en-US"/>
+          </a:p>
+        </p:txBody>
+      </p:sp>
+    </p:spTree>
+    <p:extLst>
+      <p:ext uri="{BB962C8B-B14F-4D97-AF65-F5344CB8AC3E}">
+        <p14:creationId xmlns:p14="http://schemas.microsoft.com/office/powerpoint/2010/main" val="2339411718"/>
+      </p:ext>
+    </p:extLst>
+  </p:cSld>
+  <p:clrMapOvr>
+    <a:masterClrMapping/>
+  </p:clrMapOvr>
+</p:notes>
+</file>
+
+<file path=ppt/notesSlides/notesSlide15.xml><?xml version="1.0" encoding="utf-8"?>
+<p:notes xmlns:a="http://schemas.openxmlformats.org/drawingml/2006/main" xmlns:r="http://schemas.openxmlformats.org/officeDocument/2006/relationships" xmlns:p="http://schemas.openxmlformats.org/presentationml/2006/main">
+  <p:cSld>
+    <p:spTree>
+      <p:nvGrpSpPr>
+        <p:cNvPr id="1" name=""/>
+        <p:cNvGrpSpPr/>
+        <p:nvPr/>
+      </p:nvGrpSpPr>
+      <p:grpSpPr>
+        <a:xfrm>
+          <a:off x="0" y="0"/>
+          <a:ext cx="0" cy="0"/>
+          <a:chOff x="0" y="0"/>
+          <a:chExt cx="0" cy="0"/>
+        </a:xfrm>
+      </p:grpSpPr>
+      <p:sp>
+        <p:nvSpPr>
+          <p:cNvPr id="2" name="슬라이드 이미지 개체 틀 1"/>
+          <p:cNvSpPr>
+            <a:spLocks noGrp="1" noRot="1" noChangeAspect="1"/>
+          </p:cNvSpPr>
+          <p:nvPr>
+            <p:ph type="sldImg"/>
+          </p:nvPr>
+        </p:nvSpPr>
+        <p:spPr/>
+      </p:sp>
+      <p:sp>
+        <p:nvSpPr>
+          <p:cNvPr id="3" name="슬라이드 노트 개체 틀 2"/>
+          <p:cNvSpPr>
+            <a:spLocks noGrp="1"/>
+          </p:cNvSpPr>
+          <p:nvPr>
+            <p:ph type="body" idx="1"/>
+          </p:nvPr>
+        </p:nvSpPr>
+        <p:spPr/>
+        <p:txBody>
+          <a:bodyPr/>
+          <a:lstStyle/>
+          <a:p>
             <a:r>
               <a:rPr lang="en-US" altLang="ko-KR" smtClean="0"/>
               <a:t>int</a:t>
@@ -1136,7 +1435,7 @@
 </p:notes>
 </file>
 
-<file path=ppt/notesSlides/notesSlide14.xml><?xml version="1.0" encoding="utf-8"?>
+<file path=ppt/notesSlides/notesSlide16.xml><?xml version="1.0" encoding="utf-8"?>
 <p:notes xmlns:a="http://schemas.openxmlformats.org/drawingml/2006/main" xmlns:r="http://schemas.openxmlformats.org/officeDocument/2006/relationships" xmlns:p="http://schemas.openxmlformats.org/presentationml/2006/main">
   <p:cSld>
     <p:spTree>
@@ -1364,7 +1663,85 @@
           <a:bodyPr/>
           <a:lstStyle/>
           <a:p>
-            <a:endParaRPr lang="ko-KR" altLang="en-US" dirty="0"/>
+            <a:r>
+              <a:rPr lang="ko-KR" altLang="en-US" smtClean="0"/>
+              <a:t>발표는 다음</a:t>
+            </a:r>
+            <a:r>
+              <a:rPr lang="ko-KR" altLang="en-US" baseline="0" smtClean="0"/>
+              <a:t> 순서로 진행돼</a:t>
+            </a:r>
+            <a:endParaRPr lang="en-US" altLang="ko-KR" baseline="0" smtClean="0"/>
+          </a:p>
+          <a:p>
+            <a:endParaRPr lang="en-US" altLang="ko-KR" baseline="0" smtClean="0"/>
+          </a:p>
+          <a:p>
+            <a:r>
+              <a:rPr lang="ko-KR" altLang="en-US" smtClean="0"/>
+              <a:t>첫째</a:t>
+            </a:r>
+            <a:r>
+              <a:rPr lang="en-US" altLang="ko-KR" smtClean="0"/>
+              <a:t>,</a:t>
+            </a:r>
+            <a:r>
+              <a:rPr lang="en-US" altLang="ko-KR" baseline="0" smtClean="0"/>
+              <a:t> </a:t>
+            </a:r>
+            <a:r>
+              <a:rPr lang="ko-KR" altLang="en-US" baseline="0" smtClean="0"/>
+              <a:t>래퍼 클래스의 정의와 기본적인 내용을 알아보고</a:t>
+            </a:r>
+            <a:endParaRPr lang="en-US" altLang="ko-KR" baseline="0" smtClean="0"/>
+          </a:p>
+          <a:p>
+            <a:r>
+              <a:rPr lang="ko-KR" altLang="en-US" baseline="0" smtClean="0"/>
+              <a:t>둘째</a:t>
+            </a:r>
+            <a:r>
+              <a:rPr lang="en-US" altLang="ko-KR" baseline="0" smtClean="0"/>
+              <a:t>, </a:t>
+            </a:r>
+            <a:r>
+              <a:rPr lang="ko-KR" altLang="en-US" baseline="0" smtClean="0"/>
+              <a:t>래퍼 클래스의 특징을 살펴본다음</a:t>
+            </a:r>
+            <a:endParaRPr lang="en-US" altLang="ko-KR" baseline="0" smtClean="0"/>
+          </a:p>
+          <a:p>
+            <a:r>
+              <a:rPr lang="ko-KR" altLang="en-US" baseline="0" smtClean="0"/>
+              <a:t>셋째</a:t>
+            </a:r>
+            <a:r>
+              <a:rPr lang="en-US" altLang="ko-KR" baseline="0" smtClean="0"/>
+              <a:t>, </a:t>
+            </a:r>
+            <a:r>
+              <a:rPr lang="ko-KR" altLang="en-US" baseline="0" smtClean="0"/>
+              <a:t>오토박싱과 오토언박싱에 대한 개념을 다룰 예정이야</a:t>
+            </a:r>
+            <a:r>
+              <a:rPr lang="en-US" altLang="ko-KR" baseline="0" smtClean="0"/>
+              <a:t>.</a:t>
+            </a:r>
+          </a:p>
+          <a:p>
+            <a:r>
+              <a:rPr lang="ko-KR" altLang="en-US" baseline="0" smtClean="0"/>
+              <a:t>마지막으로 정리하고 </a:t>
+            </a:r>
+            <a:r>
+              <a:rPr lang="en-US" altLang="ko-KR" baseline="0" smtClean="0"/>
+              <a:t>Q&amp;A </a:t>
+            </a:r>
+            <a:r>
+              <a:rPr lang="ko-KR" altLang="en-US" baseline="0" smtClean="0"/>
+              <a:t>시간을 갖도록 할게</a:t>
+            </a:r>
+            <a:endParaRPr lang="en-US" altLang="ko-KR" baseline="0" smtClean="0"/>
           </a:p>
         </p:txBody>
       </p:sp>
@@ -1385,7 +1762,7 @@
           <a:p>
             <a:fld id="{56D90D0A-B9F0-4AF4-81BB-E4A6A74A95B6}" type="slidenum">
               <a:rPr lang="ko-KR" altLang="en-US" smtClean="0"/>
-              <a:t>3</a:t>
+              <a:t>2</a:t>
             </a:fld>
             <a:endParaRPr lang="ko-KR" altLang="en-US"/>
           </a:p>
@@ -1394,7 +1771,7 @@
     </p:spTree>
     <p:extLst>
       <p:ext uri="{BB962C8B-B14F-4D97-AF65-F5344CB8AC3E}">
-        <p14:creationId xmlns:p14="http://schemas.microsoft.com/office/powerpoint/2010/main" val="1026679283"/>
+        <p14:creationId xmlns:p14="http://schemas.microsoft.com/office/powerpoint/2010/main" val="48952564"/>
       </p:ext>
     </p:extLst>
   </p:cSld>
@@ -1448,7 +1825,65 @@
           <a:bodyPr/>
           <a:lstStyle/>
           <a:p>
-            <a:endParaRPr lang="ko-KR" altLang="en-US" dirty="0"/>
+            <a:pPr marL="0" indent="0">
+              <a:buNone/>
+            </a:pPr>
+            <a:r>
+              <a:rPr lang="ko-KR" altLang="en-US" smtClean="0"/>
+              <a:t>먼저 래퍼 클래스의 정의를 알아보자면 래퍼클래스는 기본형 타입을 객체처럼 사용할 수 있게 해주는 클래스야</a:t>
+            </a:r>
+            <a:r>
+              <a:rPr lang="en-US" altLang="ko-KR" smtClean="0"/>
+              <a:t>.</a:t>
+            </a:r>
+          </a:p>
+          <a:p>
+            <a:pPr marL="0" indent="0">
+              <a:buNone/>
+            </a:pPr>
+            <a:r>
+              <a:rPr lang="ko-KR" altLang="en-US" smtClean="0"/>
+              <a:t>예를 들어</a:t>
+            </a:r>
+            <a:r>
+              <a:rPr lang="en-US" altLang="ko-KR" smtClean="0"/>
+              <a:t>, </a:t>
+            </a:r>
+            <a:r>
+              <a:rPr lang="ko-KR" altLang="en-US" smtClean="0"/>
+              <a:t>그냥 숫자 </a:t>
+            </a:r>
+            <a:r>
+              <a:rPr lang="en-US" altLang="ko-KR" smtClean="0"/>
+              <a:t>100</a:t>
+            </a:r>
+            <a:r>
+              <a:rPr lang="ko-KR" altLang="en-US" smtClean="0"/>
+              <a:t>이 아니라 </a:t>
+            </a:r>
+            <a:r>
+              <a:rPr lang="en-US" altLang="ko-KR" smtClean="0"/>
+              <a:t>'100</a:t>
+            </a:r>
+            <a:r>
+              <a:rPr lang="ko-KR" altLang="en-US" smtClean="0"/>
+              <a:t>이라는 값을 가진 객체</a:t>
+            </a:r>
+            <a:r>
+              <a:rPr lang="en-US" altLang="ko-KR" smtClean="0"/>
+              <a:t>'</a:t>
+            </a:r>
+            <a:r>
+              <a:rPr lang="ko-KR" altLang="en-US" smtClean="0"/>
+              <a:t>로 포장해서 더 다양한 기능을 쓸 수 있게 만들어 주는 거지</a:t>
+            </a:r>
+            <a:endParaRPr lang="en-US" altLang="ko-KR" smtClean="0"/>
+          </a:p>
+          <a:p>
+            <a:pPr marL="0" indent="0">
+              <a:buNone/>
+            </a:pPr>
+            <a:endParaRPr lang="en-US" altLang="ko-KR" smtClean="0"/>
           </a:p>
         </p:txBody>
       </p:sp>
@@ -1469,7 +1904,7 @@
           <a:p>
             <a:fld id="{56D90D0A-B9F0-4AF4-81BB-E4A6A74A95B6}" type="slidenum">
               <a:rPr lang="ko-KR" altLang="en-US" smtClean="0"/>
-              <a:t>4</a:t>
+              <a:t>3</a:t>
             </a:fld>
             <a:endParaRPr lang="ko-KR" altLang="en-US"/>
           </a:p>
@@ -1478,7 +1913,7 @@
     </p:spTree>
     <p:extLst>
       <p:ext uri="{BB962C8B-B14F-4D97-AF65-F5344CB8AC3E}">
-        <p14:creationId xmlns:p14="http://schemas.microsoft.com/office/powerpoint/2010/main" val="2602721683"/>
+        <p14:creationId xmlns:p14="http://schemas.microsoft.com/office/powerpoint/2010/main" val="1026679283"/>
       </p:ext>
     </p:extLst>
   </p:cSld>
@@ -1534,99 +1969,20 @@
           <a:p>
             <a:r>
               <a:rPr lang="ko-KR" altLang="en-US" smtClean="0"/>
-              <a:t>컬렉션 클래스와 같은 객체 기반 데이터 구조와 함께 사용되기 위해서</a:t>
-            </a:r>
-          </a:p>
-          <a:p>
-            <a:r>
-              <a:rPr lang="ko-KR" altLang="en-US" smtClean="0"/>
-              <a:t>기본 타입은 객체가 아니기 때문에</a:t>
-            </a:r>
-            <a:r>
-              <a:rPr lang="en-US" altLang="ko-KR" smtClean="0"/>
-              <a:t>, </a:t>
-            </a:r>
-            <a:r>
-              <a:rPr lang="ko-KR" altLang="en-US" smtClean="0"/>
-              <a:t>컬렉션 클래스</a:t>
-            </a:r>
-            <a:r>
-              <a:rPr lang="en-US" altLang="ko-KR" smtClean="0"/>
-              <a:t>(</a:t>
-            </a:r>
-            <a:r>
-              <a:rPr lang="ko-KR" altLang="en-US" smtClean="0"/>
-              <a:t>예</a:t>
-            </a:r>
-            <a:r>
-              <a:rPr lang="en-US" altLang="ko-KR" smtClean="0"/>
-              <a:t>: ArrayList, HashMap)</a:t>
-            </a:r>
-            <a:r>
-              <a:rPr lang="ko-KR" altLang="en-US" smtClean="0"/>
-              <a:t>와 같은 객체 기반 자료구조에 저장할 수 없습니다</a:t>
-            </a:r>
-            <a:r>
-              <a:rPr lang="en-US" altLang="ko-KR" smtClean="0"/>
-              <a:t>. </a:t>
-            </a:r>
-          </a:p>
-          <a:p>
-            <a:r>
-              <a:rPr lang="ko-KR" altLang="en-US" smtClean="0"/>
-              <a:t>래퍼클래스는 기본 타입을 객체로 변환하여 이러한 문제를 해결합니다</a:t>
-            </a:r>
-            <a:r>
-              <a:rPr lang="en-US" altLang="ko-KR" smtClean="0"/>
+              <a:t>주요 래퍼 클래스를 가져와봤는데</a:t>
+            </a:r>
+            <a:r>
+              <a:rPr lang="en-US" altLang="ko-KR" baseline="0" smtClean="0"/>
+              <a:t> </a:t>
+            </a:r>
+            <a:r>
+              <a:rPr lang="ko-KR" altLang="en-US" baseline="0" smtClean="0"/>
+              <a:t>대부분 기본형 타입에서 대문자로만 변경되어 있는걸 확인 할 수 있어</a:t>
+            </a:r>
+            <a:r>
+              <a:rPr lang="en-US" altLang="ko-KR" baseline="0" smtClean="0"/>
               <a:t>.</a:t>
             </a:r>
-          </a:p>
-          <a:p>
-            <a:endParaRPr lang="en-US" altLang="ko-KR" smtClean="0"/>
-          </a:p>
-          <a:p>
-            <a:r>
-              <a:rPr lang="en-US" altLang="ko-KR" smtClean="0"/>
-              <a:t>null </a:t>
-            </a:r>
-            <a:r>
-              <a:rPr lang="ko-KR" altLang="en-US" smtClean="0"/>
-              <a:t>값을 허용해야 하는 경우</a:t>
-            </a:r>
-          </a:p>
-          <a:p>
-            <a:r>
-              <a:rPr lang="ko-KR" altLang="en-US" smtClean="0"/>
-              <a:t>기본 타입은 </a:t>
-            </a:r>
-            <a:r>
-              <a:rPr lang="en-US" altLang="ko-KR" smtClean="0"/>
-              <a:t>null </a:t>
-            </a:r>
-            <a:r>
-              <a:rPr lang="ko-KR" altLang="en-US" smtClean="0"/>
-              <a:t>값을 가질 수 없으므로</a:t>
-            </a:r>
-            <a:r>
-              <a:rPr lang="en-US" altLang="ko-KR" smtClean="0"/>
-              <a:t>, </a:t>
-            </a:r>
-            <a:r>
-              <a:rPr lang="ko-KR" altLang="en-US" smtClean="0"/>
-              <a:t>값이 없음을 표현하거나 초기화를 위해 </a:t>
-            </a:r>
-            <a:r>
-              <a:rPr lang="en-US" altLang="ko-KR" smtClean="0"/>
-              <a:t>null </a:t>
-            </a:r>
-            <a:r>
-              <a:rPr lang="ko-KR" altLang="en-US" smtClean="0"/>
-              <a:t>값을 사용할 때 래퍼클래스가 필요합니다</a:t>
-            </a:r>
-            <a:r>
-              <a:rPr lang="en-US" altLang="ko-KR" smtClean="0"/>
-              <a:t>.</a:t>
-            </a:r>
             <a:endParaRPr lang="ko-KR" altLang="en-US" dirty="0"/>
           </a:p>
         </p:txBody>
@@ -1648,7 +2004,7 @@
           <a:p>
             <a:fld id="{56D90D0A-B9F0-4AF4-81BB-E4A6A74A95B6}" type="slidenum">
               <a:rPr lang="ko-KR" altLang="en-US" smtClean="0"/>
-              <a:t>5</a:t>
+              <a:t>4</a:t>
             </a:fld>
             <a:endParaRPr lang="ko-KR" altLang="en-US"/>
           </a:p>
@@ -1657,7 +2013,7 @@
     </p:spTree>
     <p:extLst>
       <p:ext uri="{BB962C8B-B14F-4D97-AF65-F5344CB8AC3E}">
-        <p14:creationId xmlns:p14="http://schemas.microsoft.com/office/powerpoint/2010/main" val="3610931003"/>
+        <p14:creationId xmlns:p14="http://schemas.microsoft.com/office/powerpoint/2010/main" val="2602721683"/>
       </p:ext>
     </p:extLst>
   </p:cSld>
@@ -1711,6 +2067,125 @@
           <a:bodyPr/>
           <a:lstStyle/>
           <a:p>
+            <a:r>
+              <a:rPr lang="ko-KR" altLang="en-US" smtClean="0"/>
+              <a:t>그렇다면</a:t>
+            </a:r>
+            <a:r>
+              <a:rPr lang="en-US" altLang="ko-KR" baseline="0" smtClean="0"/>
+              <a:t> </a:t>
+            </a:r>
+            <a:r>
+              <a:rPr lang="ko-KR" altLang="en-US" baseline="0" smtClean="0"/>
+              <a:t>래퍼 클래스는 왜 만들어졌을까</a:t>
+            </a:r>
+            <a:r>
+              <a:rPr lang="en-US" altLang="ko-KR" baseline="0" smtClean="0"/>
+              <a:t>?</a:t>
+            </a:r>
+          </a:p>
+          <a:p>
+            <a:endParaRPr lang="en-US" altLang="ko-KR" baseline="0" smtClean="0"/>
+          </a:p>
+          <a:p>
+            <a:r>
+              <a:rPr lang="ko-KR" altLang="en-US" baseline="0" smtClean="0"/>
+              <a:t>첫번째는 컬렉션 클래스와 같은 객체 기반 데이터 구조와 함께 사용되기 위해서야</a:t>
+            </a:r>
+            <a:r>
+              <a:rPr lang="en-US" altLang="ko-KR" baseline="0" smtClean="0"/>
+              <a:t>.</a:t>
+            </a:r>
+          </a:p>
+          <a:p>
+            <a:r>
+              <a:rPr lang="ko-KR" altLang="en-US" smtClean="0"/>
+              <a:t>기본형 </a:t>
+            </a:r>
+            <a:r>
+              <a:rPr lang="ko-KR" altLang="en-US" smtClean="0"/>
+              <a:t>타입은 객체가 아니기 </a:t>
+            </a:r>
+            <a:r>
+              <a:rPr lang="ko-KR" altLang="en-US" smtClean="0"/>
+              <a:t>때문에</a:t>
+            </a:r>
+            <a:r>
+              <a:rPr lang="en-US" altLang="ko-KR" baseline="0" smtClean="0"/>
+              <a:t> </a:t>
+            </a:r>
+            <a:r>
+              <a:rPr lang="en-US" altLang="ko-KR" smtClean="0"/>
+              <a:t>ArrayList</a:t>
+            </a:r>
+            <a:r>
+              <a:rPr lang="ko-KR" altLang="en-US" smtClean="0"/>
+              <a:t>와 같은 객체 </a:t>
+            </a:r>
+            <a:r>
+              <a:rPr lang="ko-KR" altLang="en-US" smtClean="0"/>
+              <a:t>기반 자료구조에 저장할 수 </a:t>
+            </a:r>
+            <a:r>
+              <a:rPr lang="ko-KR" altLang="en-US" smtClean="0"/>
+              <a:t>없어</a:t>
+            </a:r>
+            <a:r>
+              <a:rPr lang="en-US" altLang="ko-KR" smtClean="0"/>
+              <a:t>. </a:t>
+            </a:r>
+          </a:p>
+          <a:p>
+            <a:r>
+              <a:rPr lang="ko-KR" altLang="en-US" smtClean="0"/>
+              <a:t>따라서</a:t>
+            </a:r>
+            <a:r>
+              <a:rPr lang="en-US" altLang="ko-KR" smtClean="0"/>
+              <a:t> </a:t>
+            </a:r>
+            <a:r>
+              <a:rPr lang="ko-KR" altLang="en-US" smtClean="0"/>
+              <a:t>래퍼클래스는 기본형 </a:t>
+            </a:r>
+            <a:r>
+              <a:rPr lang="ko-KR" altLang="en-US" smtClean="0"/>
+              <a:t>타입을 객체로 변환하여 이러한 문제를 </a:t>
+            </a:r>
+            <a:r>
+              <a:rPr lang="ko-KR" altLang="en-US" smtClean="0"/>
+              <a:t>해결한거야</a:t>
+            </a:r>
+            <a:r>
+              <a:rPr lang="en-US" altLang="ko-KR" smtClean="0"/>
+              <a:t>.</a:t>
+            </a:r>
+            <a:endParaRPr lang="en-US" altLang="ko-KR" smtClean="0"/>
+          </a:p>
+          <a:p>
+            <a:endParaRPr lang="en-US" altLang="ko-KR" smtClean="0"/>
+          </a:p>
+          <a:p>
+            <a:r>
+              <a:rPr lang="ko-KR" altLang="en-US" smtClean="0"/>
+              <a:t>두번째</a:t>
+            </a:r>
+            <a:r>
+              <a:rPr lang="en-US" altLang="ko-KR" baseline="0" smtClean="0"/>
+              <a:t> </a:t>
+            </a:r>
+            <a:r>
+              <a:rPr lang="en-US" altLang="ko-KR" smtClean="0"/>
+              <a:t>null </a:t>
+            </a:r>
+            <a:r>
+              <a:rPr lang="ko-KR" altLang="en-US" smtClean="0"/>
+              <a:t>값을 허용해야 하는 </a:t>
+            </a:r>
+            <a:r>
+              <a:rPr lang="ko-KR" altLang="en-US" smtClean="0"/>
+              <a:t>경우도 기본형 타입으로는 처리할 수 없기에 래퍼 클래스가 필요하게 된거지</a:t>
+            </a:r>
             <a:endParaRPr lang="ko-KR" altLang="en-US" dirty="0"/>
           </a:p>
         </p:txBody>
@@ -1732,7 +2207,7 @@
           <a:p>
             <a:fld id="{56D90D0A-B9F0-4AF4-81BB-E4A6A74A95B6}" type="slidenum">
               <a:rPr lang="ko-KR" altLang="en-US" smtClean="0"/>
-              <a:t>6</a:t>
+              <a:t>5</a:t>
             </a:fld>
             <a:endParaRPr lang="ko-KR" altLang="en-US"/>
           </a:p>
@@ -1741,7 +2216,7 @@
     </p:spTree>
     <p:extLst>
       <p:ext uri="{BB962C8B-B14F-4D97-AF65-F5344CB8AC3E}">
-        <p14:creationId xmlns:p14="http://schemas.microsoft.com/office/powerpoint/2010/main" val="464257368"/>
+        <p14:creationId xmlns:p14="http://schemas.microsoft.com/office/powerpoint/2010/main" val="3610931003"/>
       </p:ext>
     </p:extLst>
   </p:cSld>
@@ -1816,7 +2291,7 @@
           <a:p>
             <a:fld id="{56D90D0A-B9F0-4AF4-81BB-E4A6A74A95B6}" type="slidenum">
               <a:rPr lang="ko-KR" altLang="en-US" smtClean="0"/>
-              <a:t>7</a:t>
+              <a:t>6</a:t>
             </a:fld>
             <a:endParaRPr lang="ko-KR" altLang="en-US"/>
           </a:p>
@@ -1825,7 +2300,7 @@
     </p:spTree>
     <p:extLst>
       <p:ext uri="{BB962C8B-B14F-4D97-AF65-F5344CB8AC3E}">
-        <p14:creationId xmlns:p14="http://schemas.microsoft.com/office/powerpoint/2010/main" val="1689898690"/>
+        <p14:creationId xmlns:p14="http://schemas.microsoft.com/office/powerpoint/2010/main" val="464257368"/>
       </p:ext>
     </p:extLst>
   </p:cSld>
@@ -1879,6 +2354,121 @@
           <a:bodyPr/>
           <a:lstStyle/>
           <a:p>
+            <a:r>
+              <a:rPr lang="ko-KR" altLang="en-US" smtClean="0"/>
+              <a:t>래퍼 클래스의 주요 특징 </a:t>
+            </a:r>
+            <a:r>
+              <a:rPr lang="en-US" altLang="ko-KR" smtClean="0"/>
+              <a:t>2</a:t>
+            </a:r>
+            <a:r>
+              <a:rPr lang="ko-KR" altLang="en-US" smtClean="0"/>
+              <a:t>가지를 알아보도록 할게</a:t>
+            </a:r>
+            <a:endParaRPr lang="en-US" altLang="ko-KR" smtClean="0"/>
+          </a:p>
+          <a:p>
+            <a:endParaRPr lang="en-US" altLang="ko-KR" smtClean="0"/>
+          </a:p>
+          <a:p>
+            <a:r>
+              <a:rPr lang="ko-KR" altLang="en-US" smtClean="0"/>
+              <a:t>첫째</a:t>
+            </a:r>
+            <a:r>
+              <a:rPr lang="en-US" altLang="ko-KR" smtClean="0"/>
+              <a:t>, null</a:t>
+            </a:r>
+            <a:r>
+              <a:rPr lang="en-US" altLang="ko-KR" baseline="0" smtClean="0"/>
+              <a:t> </a:t>
+            </a:r>
+            <a:r>
+              <a:rPr lang="ko-KR" altLang="en-US" baseline="0" smtClean="0"/>
+              <a:t>값을 허용 할 수 있다</a:t>
+            </a:r>
+            <a:r>
+              <a:rPr lang="en-US" altLang="ko-KR" baseline="0" smtClean="0"/>
+              <a:t>.</a:t>
+            </a:r>
+          </a:p>
+          <a:p>
+            <a:r>
+              <a:rPr lang="ko-KR" altLang="en-US" baseline="0" smtClean="0"/>
+              <a:t>기본형 타입은 </a:t>
+            </a:r>
+            <a:r>
+              <a:rPr lang="en-US" altLang="ko-KR" baseline="0" smtClean="0"/>
+              <a:t>null</a:t>
+            </a:r>
+            <a:r>
+              <a:rPr lang="ko-KR" altLang="en-US" baseline="0" smtClean="0"/>
+              <a:t>을 가질수 없지만 객체인 래퍼 클래스는 가능해</a:t>
+            </a:r>
+            <a:endParaRPr lang="en-US" altLang="ko-KR" baseline="0" smtClean="0"/>
+          </a:p>
+          <a:p>
+            <a:endParaRPr lang="en-US" altLang="ko-KR" baseline="0" smtClean="0"/>
+          </a:p>
+          <a:p>
+            <a:r>
+              <a:rPr lang="ko-KR" altLang="en-US" baseline="0" smtClean="0"/>
+              <a:t>둘째</a:t>
+            </a:r>
+            <a:r>
+              <a:rPr lang="en-US" altLang="ko-KR" baseline="0" smtClean="0"/>
+              <a:t>, </a:t>
+            </a:r>
+            <a:r>
+              <a:rPr lang="ko-KR" altLang="en-US" baseline="0" smtClean="0"/>
+              <a:t>불변성</a:t>
+            </a:r>
+            <a:endParaRPr lang="en-US" altLang="ko-KR" baseline="0" smtClean="0"/>
+          </a:p>
+          <a:p>
+            <a:r>
+              <a:rPr lang="ko-KR" altLang="en-US" baseline="0" smtClean="0"/>
+              <a:t>래퍼 클래스는 </a:t>
+            </a:r>
+            <a:r>
+              <a:rPr lang="en-US" altLang="ko-KR" baseline="0" smtClean="0"/>
+              <a:t>final</a:t>
+            </a:r>
+            <a:r>
+              <a:rPr lang="ko-KR" altLang="en-US" baseline="0" smtClean="0"/>
+              <a:t>로 선언되어 한 번 생성된 객체의 값은 변경 할 수 없어</a:t>
+            </a:r>
+            <a:r>
+              <a:rPr lang="en-US" altLang="ko-KR" baseline="0" smtClean="0"/>
+              <a:t>. </a:t>
+            </a:r>
+          </a:p>
+          <a:p>
+            <a:r>
+              <a:rPr lang="ko-KR" altLang="en-US" baseline="0" smtClean="0"/>
+              <a:t>첨부한 이미지는 데이터를 담고 있는 </a:t>
+            </a:r>
+            <a:r>
+              <a:rPr lang="en-US" altLang="ko-KR" baseline="0" smtClean="0"/>
+              <a:t>value </a:t>
+            </a:r>
+            <a:r>
+              <a:rPr lang="ko-KR" altLang="en-US" baseline="0" smtClean="0"/>
+              <a:t>변수인데 앞에 </a:t>
+            </a:r>
+            <a:r>
+              <a:rPr lang="en-US" altLang="ko-KR" baseline="0" smtClean="0"/>
+              <a:t>final</a:t>
+            </a:r>
+            <a:r>
+              <a:rPr lang="ko-KR" altLang="en-US" baseline="0" smtClean="0"/>
+              <a:t>로 붙어있는게 보이지</a:t>
+            </a:r>
+            <a:r>
+              <a:rPr lang="en-US" altLang="ko-KR" baseline="0" smtClean="0"/>
+              <a:t>? </a:t>
+            </a:r>
             <a:endParaRPr lang="ko-KR" altLang="en-US" dirty="0"/>
           </a:p>
         </p:txBody>
@@ -1900,7 +2490,7 @@
           <a:p>
             <a:fld id="{56D90D0A-B9F0-4AF4-81BB-E4A6A74A95B6}" type="slidenum">
               <a:rPr lang="ko-KR" altLang="en-US" smtClean="0"/>
-              <a:t>8</a:t>
+              <a:t>7</a:t>
             </a:fld>
             <a:endParaRPr lang="ko-KR" altLang="en-US"/>
           </a:p>
@@ -1909,7 +2499,7 @@
     </p:spTree>
     <p:extLst>
       <p:ext uri="{BB962C8B-B14F-4D97-AF65-F5344CB8AC3E}">
-        <p14:creationId xmlns:p14="http://schemas.microsoft.com/office/powerpoint/2010/main" val="2584467040"/>
+        <p14:creationId xmlns:p14="http://schemas.microsoft.com/office/powerpoint/2010/main" val="1689898690"/>
       </p:ext>
     </p:extLst>
   </p:cSld>
@@ -1963,7 +2553,111 @@
           <a:bodyPr/>
           <a:lstStyle/>
           <a:p>
-            <a:endParaRPr lang="ko-KR" altLang="en-US" dirty="0"/>
+            <a:r>
+              <a:rPr lang="ko-KR" altLang="en-US" smtClean="0"/>
+              <a:t>이제 오토박싱과 오토언박싱에 대해 살펴볼게</a:t>
+            </a:r>
+            <a:r>
+              <a:rPr lang="en-US" altLang="ko-KR" smtClean="0"/>
+              <a:t>.</a:t>
+            </a:r>
+          </a:p>
+          <a:p>
+            <a:r>
+              <a:rPr lang="ko-KR" altLang="en-US" smtClean="0"/>
+              <a:t>먼저 박싱과 언박싱에 대해 말하자면</a:t>
+            </a:r>
+            <a:r>
+              <a:rPr lang="en-US" altLang="ko-KR" baseline="0" smtClean="0"/>
+              <a:t> </a:t>
+            </a:r>
+            <a:r>
+              <a:rPr lang="ko-KR" altLang="en-US" baseline="0" smtClean="0"/>
+              <a:t>박싱은 기본형 타입을 래퍼 클래스로 변환하는걸 의미하고</a:t>
+            </a:r>
+            <a:r>
+              <a:rPr lang="en-US" altLang="ko-KR" baseline="0" smtClean="0"/>
+              <a:t>,</a:t>
+            </a:r>
+          </a:p>
+          <a:p>
+            <a:r>
+              <a:rPr lang="ko-KR" altLang="en-US" baseline="0" smtClean="0"/>
+              <a:t>언박싱은 반대로 래퍼클래스에서 기본형 타입으로 변환하는걸 의미해</a:t>
+            </a:r>
+            <a:r>
+              <a:rPr lang="en-US" altLang="ko-KR" baseline="0" smtClean="0"/>
+              <a:t>.</a:t>
+            </a:r>
+          </a:p>
+          <a:p>
+            <a:endParaRPr lang="en-US" altLang="ko-KR" baseline="0" smtClean="0"/>
+          </a:p>
+          <a:p>
+            <a:r>
+              <a:rPr lang="ko-KR" altLang="en-US" baseline="0" smtClean="0"/>
+              <a:t>박싱은 이미지처럼 주로 </a:t>
+            </a:r>
+            <a:r>
+              <a:rPr lang="en-US" altLang="ko-KR" baseline="0" smtClean="0"/>
+              <a:t>XX.valueOf() </a:t>
+            </a:r>
+            <a:r>
+              <a:rPr lang="ko-KR" altLang="en-US" baseline="0" smtClean="0"/>
+              <a:t>메소드를 이용해서 하고</a:t>
+            </a:r>
+            <a:endParaRPr lang="en-US" altLang="ko-KR" baseline="0" smtClean="0"/>
+          </a:p>
+          <a:p>
+            <a:r>
+              <a:rPr lang="ko-KR" altLang="en-US" baseline="0" smtClean="0"/>
+              <a:t>언박싱은 </a:t>
+            </a:r>
+            <a:r>
+              <a:rPr lang="en-US" altLang="ko-KR" baseline="0" smtClean="0"/>
+              <a:t>xxValue() </a:t>
+            </a:r>
+            <a:r>
+              <a:rPr lang="ko-KR" altLang="en-US" baseline="0" smtClean="0"/>
+              <a:t>메소드를 이용해서 해</a:t>
+            </a:r>
+            <a:r>
+              <a:rPr lang="en-US" altLang="ko-KR" baseline="0" smtClean="0"/>
+              <a:t>.  </a:t>
+            </a:r>
+            <a:r>
+              <a:rPr lang="ko-KR" altLang="en-US" baseline="0" smtClean="0"/>
+              <a:t>예를 들어 </a:t>
+            </a:r>
+            <a:r>
+              <a:rPr lang="en-US" altLang="ko-KR" baseline="0" smtClean="0"/>
+              <a:t>Integer  </a:t>
+            </a:r>
+            <a:r>
+              <a:rPr lang="ko-KR" altLang="en-US" baseline="0" smtClean="0"/>
+              <a:t>타입을 </a:t>
+            </a:r>
+            <a:r>
+              <a:rPr lang="en-US" altLang="ko-KR" baseline="0" smtClean="0"/>
+              <a:t>int</a:t>
+            </a:r>
+            <a:r>
+              <a:rPr lang="ko-KR" altLang="en-US" baseline="0" smtClean="0"/>
+              <a:t>로 변경한다면 </a:t>
+            </a:r>
+            <a:r>
+              <a:rPr lang="en-US" altLang="ko-KR" baseline="0" smtClean="0"/>
+              <a:t>intValue()</a:t>
+            </a:r>
+            <a:r>
+              <a:rPr lang="ko-KR" altLang="en-US" baseline="0" smtClean="0"/>
+              <a:t>를 사용해야되는거야</a:t>
+            </a:r>
+            <a:r>
+              <a:rPr lang="en-US" altLang="ko-KR" baseline="0" smtClean="0"/>
+              <a:t>.</a:t>
+            </a:r>
+            <a:endParaRPr lang="en-US" altLang="ko-KR" smtClean="0"/>
           </a:p>
         </p:txBody>
       </p:sp>
@@ -1984,7 +2678,7 @@
           <a:p>
             <a:fld id="{56D90D0A-B9F0-4AF4-81BB-E4A6A74A95B6}" type="slidenum">
               <a:rPr lang="ko-KR" altLang="en-US" smtClean="0"/>
-              <a:t>9</a:t>
+              <a:t>8</a:t>
             </a:fld>
             <a:endParaRPr lang="ko-KR" altLang="en-US"/>
           </a:p>
@@ -1993,7 +2687,7 @@
     </p:spTree>
     <p:extLst>
       <p:ext uri="{BB962C8B-B14F-4D97-AF65-F5344CB8AC3E}">
-        <p14:creationId xmlns:p14="http://schemas.microsoft.com/office/powerpoint/2010/main" val="1779703769"/>
+        <p14:creationId xmlns:p14="http://schemas.microsoft.com/office/powerpoint/2010/main" val="2584467040"/>
       </p:ext>
     </p:extLst>
   </p:cSld>
@@ -2047,6 +2741,54 @@
           <a:bodyPr/>
           <a:lstStyle/>
           <a:p>
+            <a:r>
+              <a:rPr lang="ko-KR" altLang="en-US" smtClean="0"/>
+              <a:t>오토박싱과 오토언박싱은 앞서 설명한 개념과 동일하지만 컴파일단계에서 자동으로 형변환을 해주는걸 의미해</a:t>
+            </a:r>
+            <a:r>
+              <a:rPr lang="en-US" altLang="ko-KR" smtClean="0"/>
+              <a:t>.</a:t>
+            </a:r>
+          </a:p>
+          <a:p>
+            <a:r>
+              <a:rPr lang="ko-KR" altLang="en-US" smtClean="0"/>
+              <a:t>자바 </a:t>
+            </a:r>
+            <a:r>
+              <a:rPr lang="en-US" altLang="ko-KR" smtClean="0"/>
+              <a:t>1.5</a:t>
+            </a:r>
+            <a:r>
+              <a:rPr lang="ko-KR" altLang="en-US" smtClean="0"/>
+              <a:t>부터 추가되었고 코드를 간결하게 작성할 수 있게 해줘</a:t>
+            </a:r>
+            <a:r>
+              <a:rPr lang="en-US" altLang="ko-KR" smtClean="0"/>
+              <a:t>.</a:t>
+            </a:r>
+          </a:p>
+          <a:p>
+            <a:r>
+              <a:rPr lang="ko-KR" altLang="en-US" smtClean="0"/>
+              <a:t>하지만 이러한 과정에서 </a:t>
+            </a:r>
+            <a:r>
+              <a:rPr lang="en-US" altLang="ko-KR" smtClean="0"/>
+              <a:t>NPE</a:t>
+            </a:r>
+            <a:r>
+              <a:rPr lang="en-US" altLang="ko-KR" baseline="0" smtClean="0"/>
+              <a:t> </a:t>
+            </a:r>
+            <a:r>
+              <a:rPr lang="ko-KR" altLang="en-US" baseline="0" smtClean="0"/>
+              <a:t>오류가 발생 할 수도 있어</a:t>
+            </a:r>
+            <a:r>
+              <a:rPr lang="en-US" altLang="ko-KR" baseline="0" smtClean="0"/>
+              <a:t>.</a:t>
+            </a:r>
             <a:endParaRPr lang="ko-KR" altLang="en-US" dirty="0"/>
           </a:p>
         </p:txBody>
@@ -2068,7 +2810,7 @@
           <a:p>
             <a:fld id="{56D90D0A-B9F0-4AF4-81BB-E4A6A74A95B6}" type="slidenum">
               <a:rPr lang="ko-KR" altLang="en-US" smtClean="0"/>
-              <a:t>10</a:t>
+              <a:t>9</a:t>
             </a:fld>
             <a:endParaRPr lang="ko-KR" altLang="en-US"/>
           </a:p>
@@ -2077,7 +2819,7 @@
     </p:spTree>
     <p:extLst>
       <p:ext uri="{BB962C8B-B14F-4D97-AF65-F5344CB8AC3E}">
-        <p14:creationId xmlns:p14="http://schemas.microsoft.com/office/powerpoint/2010/main" val="3780787922"/>
+        <p14:creationId xmlns:p14="http://schemas.microsoft.com/office/powerpoint/2010/main" val="1779703769"/>
       </p:ext>
     </p:extLst>
   </p:cSld>
@@ -2223,7 +2965,7 @@
           <a:p>
             <a:fld id="{C424A8B8-4B32-40BD-93B2-584DE8743A8B}" type="datetimeFigureOut">
               <a:rPr lang="ko-KR" altLang="en-US" smtClean="0"/>
-              <a:t>2024-11-21</a:t>
+              <a:t>2024-11-22</a:t>
             </a:fld>
             <a:endParaRPr lang="ko-KR" altLang="en-US"/>
           </a:p>
@@ -2400,7 +3142,7 @@
           <a:p>
             <a:fld id="{C424A8B8-4B32-40BD-93B2-584DE8743A8B}" type="datetimeFigureOut">
               <a:rPr lang="ko-KR" altLang="en-US" smtClean="0"/>
-              <a:t>2024-11-21</a:t>
+              <a:t>2024-11-22</a:t>
             </a:fld>
             <a:endParaRPr lang="ko-KR" altLang="en-US"/>
           </a:p>
@@ -2580,7 +3322,7 @@
           <a:p>
             <a:fld id="{C424A8B8-4B32-40BD-93B2-584DE8743A8B}" type="datetimeFigureOut">
               <a:rPr lang="ko-KR" altLang="en-US" smtClean="0"/>
-              <a:t>2024-11-21</a:t>
+              <a:t>2024-11-22</a:t>
             </a:fld>
             <a:endParaRPr lang="ko-KR" altLang="en-US"/>
           </a:p>
@@ -2750,7 +3492,7 @@
           <a:p>
             <a:fld id="{C424A8B8-4B32-40BD-93B2-584DE8743A8B}" type="datetimeFigureOut">
               <a:rPr lang="ko-KR" altLang="en-US" smtClean="0"/>
-              <a:t>2024-11-21</a:t>
+              <a:t>2024-11-22</a:t>
             </a:fld>
             <a:endParaRPr lang="ko-KR" altLang="en-US"/>
           </a:p>
@@ -3003,7 +3745,7 @@
           <a:p>
             <a:fld id="{C424A8B8-4B32-40BD-93B2-584DE8743A8B}" type="datetimeFigureOut">
               <a:rPr lang="ko-KR" altLang="en-US" smtClean="0"/>
-              <a:t>2024-11-21</a:t>
+              <a:t>2024-11-22</a:t>
             </a:fld>
             <a:endParaRPr lang="ko-KR" altLang="en-US"/>
           </a:p>
@@ -3235,7 +3977,7 @@
           <a:p>
             <a:fld id="{C424A8B8-4B32-40BD-93B2-584DE8743A8B}" type="datetimeFigureOut">
               <a:rPr lang="ko-KR" altLang="en-US" smtClean="0"/>
-              <a:t>2024-11-21</a:t>
+              <a:t>2024-11-22</a:t>
             </a:fld>
             <a:endParaRPr lang="ko-KR" altLang="en-US"/>
           </a:p>
@@ -3602,7 +4344,7 @@
           <a:p>
             <a:fld id="{C424A8B8-4B32-40BD-93B2-584DE8743A8B}" type="datetimeFigureOut">
               <a:rPr lang="ko-KR" altLang="en-US" smtClean="0"/>
-              <a:t>2024-11-21</a:t>
+              <a:t>2024-11-22</a:t>
             </a:fld>
             <a:endParaRPr lang="ko-KR" altLang="en-US"/>
           </a:p>
@@ -3720,7 +4462,7 @@
           <a:p>
             <a:fld id="{C424A8B8-4B32-40BD-93B2-584DE8743A8B}" type="datetimeFigureOut">
               <a:rPr lang="ko-KR" altLang="en-US" smtClean="0"/>
-              <a:t>2024-11-21</a:t>
+              <a:t>2024-11-22</a:t>
             </a:fld>
             <a:endParaRPr lang="ko-KR" altLang="en-US"/>
           </a:p>
@@ -3822,7 +4564,7 @@
           <a:p>
             <a:fld id="{C424A8B8-4B32-40BD-93B2-584DE8743A8B}" type="datetimeFigureOut">
               <a:rPr lang="ko-KR" altLang="en-US" smtClean="0"/>
-              <a:t>2024-11-21</a:t>
+              <a:t>2024-11-22</a:t>
             </a:fld>
             <a:endParaRPr lang="ko-KR" altLang="en-US"/>
           </a:p>
@@ -4106,7 +4848,7 @@
           <a:p>
             <a:fld id="{C424A8B8-4B32-40BD-93B2-584DE8743A8B}" type="datetimeFigureOut">
               <a:rPr lang="ko-KR" altLang="en-US" smtClean="0"/>
-              <a:t>2024-11-21</a:t>
+              <a:t>2024-11-22</a:t>
             </a:fld>
             <a:endParaRPr lang="ko-KR" altLang="en-US"/>
           </a:p>
@@ -4359,7 +5101,7 @@
           <a:p>
             <a:fld id="{C424A8B8-4B32-40BD-93B2-584DE8743A8B}" type="datetimeFigureOut">
               <a:rPr lang="ko-KR" altLang="en-US" smtClean="0"/>
-              <a:t>2024-11-21</a:t>
+              <a:t>2024-11-22</a:t>
             </a:fld>
             <a:endParaRPr lang="ko-KR" altLang="en-US"/>
           </a:p>
@@ -4575,7 +5317,7 @@
           <a:p>
             <a:fld id="{C424A8B8-4B32-40BD-93B2-584DE8743A8B}" type="datetimeFigureOut">
               <a:rPr lang="ko-KR" altLang="en-US" smtClean="0"/>
-              <a:t>2024-11-21</a:t>
+              <a:t>2024-11-22</a:t>
             </a:fld>
             <a:endParaRPr lang="ko-KR" altLang="en-US"/>
           </a:p>
@@ -6608,9 +7350,6 @@
               </a:rPr>
               <a:t>?</a:t>
             </a:r>
-            <a:endParaRPr lang="en-US" altLang="ko-KR" sz="3200" b="1" smtClean="0">
-              <a:latin typeface="+mn-ea"/>
-            </a:endParaRPr>
           </a:p>
         </p:txBody>
       </p:sp>
@@ -6695,9 +7434,6 @@
               </a:rPr>
               <a:t>?</a:t>
             </a:r>
-            <a:endParaRPr lang="en-US" altLang="ko-KR" sz="3200" b="1" smtClean="0">
-              <a:latin typeface="+mn-ea"/>
-            </a:endParaRPr>
           </a:p>
         </p:txBody>
       </p:sp>
@@ -7700,8 +8436,8 @@
           <a:p>
             <a:pPr algn="ctr"/>
             <a:r>
-              <a:rPr lang="ko-KR" altLang="en-US" sz="2400" smtClean="0"/>
-              <a:t>기본형</a:t>
+              <a:rPr lang="en-US" altLang="ko-KR" sz="2400" smtClean="0"/>
+              <a:t>100</a:t>
             </a:r>
             <a:endParaRPr lang="ko-KR" altLang="en-US" sz="2400"/>
           </a:p>
@@ -7715,7 +8451,7 @@
         </p:nvSpPr>
         <p:spPr>
           <a:xfrm>
-            <a:off x="2449375" y="4705459"/>
+            <a:off x="2449375" y="4676198"/>
             <a:ext cx="1484986" cy="461665"/>
           </a:xfrm>
           <a:prstGeom prst="rect">
@@ -7731,8 +8467,8 @@
           <a:p>
             <a:pPr algn="ctr"/>
             <a:r>
-              <a:rPr lang="ko-KR" altLang="en-US" sz="2400" smtClean="0"/>
-              <a:t>기본형</a:t>
+              <a:rPr lang="en-US" altLang="ko-KR" sz="2400" smtClean="0"/>
+              <a:t>100</a:t>
             </a:r>
             <a:endParaRPr lang="ko-KR" altLang="en-US" sz="2400"/>
           </a:p>
@@ -8069,7 +8805,7 @@
           <p:nvPr>
             <p:extLst>
               <p:ext uri="{D42A27DB-BD31-4B8C-83A1-F6EECF244321}">
-                <p14:modId xmlns:p14="http://schemas.microsoft.com/office/powerpoint/2010/main" val="58391725"/>
+                <p14:modId xmlns:p14="http://schemas.microsoft.com/office/powerpoint/2010/main" val="4272462053"/>
               </p:ext>
             </p:extLst>
           </p:nvPr>
@@ -8195,8 +8931,12 @@
                     <a:p>
                       <a:pPr algn="ctr" latinLnBrk="1"/>
                       <a:r>
+                        <a:rPr lang="en-US" altLang="ko-KR" b="1" smtClean="0"/>
+                        <a:t>B</a:t>
+                      </a:r>
+                      <a:r>
                         <a:rPr lang="en-US" altLang="ko-KR" smtClean="0"/>
-                        <a:t>Byte</a:t>
+                        <a:t>yte</a:t>
                       </a:r>
                       <a:endParaRPr lang="ko-KR" altLang="en-US">
                         <a:latin typeface="+mn-ea"/>
@@ -8238,8 +8978,12 @@
                     <a:p>
                       <a:pPr algn="ctr" latinLnBrk="1"/>
                       <a:r>
+                        <a:rPr lang="en-US" altLang="ko-KR" b="1" smtClean="0"/>
+                        <a:t>S</a:t>
+                      </a:r>
+                      <a:r>
                         <a:rPr lang="en-US" altLang="ko-KR" smtClean="0"/>
-                        <a:t>Short</a:t>
+                        <a:t>hort</a:t>
                       </a:r>
                       <a:endParaRPr lang="ko-KR" altLang="en-US">
                         <a:latin typeface="+mn-ea"/>
@@ -8324,8 +9068,12 @@
                     <a:p>
                       <a:pPr algn="ctr" latinLnBrk="1"/>
                       <a:r>
+                        <a:rPr lang="en-US" altLang="ko-KR" b="1" smtClean="0"/>
+                        <a:t>L</a:t>
+                      </a:r>
+                      <a:r>
                         <a:rPr lang="en-US" altLang="ko-KR" smtClean="0"/>
-                        <a:t>Long</a:t>
+                        <a:t>ong</a:t>
                       </a:r>
                       <a:endParaRPr lang="ko-KR" altLang="en-US">
                         <a:latin typeface="+mn-ea"/>
@@ -8367,8 +9115,12 @@
                     <a:p>
                       <a:pPr algn="ctr" latinLnBrk="1"/>
                       <a:r>
+                        <a:rPr lang="en-US" altLang="ko-KR" b="1" smtClean="0"/>
+                        <a:t>F</a:t>
+                      </a:r>
+                      <a:r>
                         <a:rPr lang="en-US" altLang="ko-KR" smtClean="0"/>
-                        <a:t>Float</a:t>
+                        <a:t>loat</a:t>
                       </a:r>
                       <a:endParaRPr lang="ko-KR" altLang="en-US">
                         <a:latin typeface="+mn-ea"/>
@@ -8410,8 +9162,12 @@
                     <a:p>
                       <a:pPr algn="ctr" latinLnBrk="1"/>
                       <a:r>
+                        <a:rPr lang="en-US" altLang="ko-KR" b="1" smtClean="0"/>
+                        <a:t>D</a:t>
+                      </a:r>
+                      <a:r>
                         <a:rPr lang="en-US" altLang="ko-KR" smtClean="0"/>
-                        <a:t>Double</a:t>
+                        <a:t>ouble</a:t>
                       </a:r>
                       <a:endParaRPr lang="ko-KR" altLang="en-US">
                         <a:latin typeface="+mn-ea"/>
@@ -8496,8 +9252,12 @@
                     <a:p>
                       <a:pPr algn="ctr" latinLnBrk="1"/>
                       <a:r>
+                        <a:rPr lang="en-US" altLang="ko-KR" b="1" smtClean="0"/>
+                        <a:t>B</a:t>
+                      </a:r>
+                      <a:r>
                         <a:rPr lang="en-US" altLang="ko-KR" smtClean="0"/>
-                        <a:t>Boolean</a:t>
+                        <a:t>oolean</a:t>
                       </a:r>
                       <a:endParaRPr lang="ko-KR" altLang="en-US">
                         <a:latin typeface="+mn-ea"/>

--- a/발표자료/20241122/20241122_래퍼클래스.pptx
+++ b/발표자료/20241122/20241122_래퍼클래스.pptx
@@ -2100,15 +2100,7 @@
           <a:p>
             <a:r>
               <a:rPr lang="ko-KR" altLang="en-US" smtClean="0"/>
-              <a:t>기본형 </a:t>
-            </a:r>
-            <a:r>
-              <a:rPr lang="ko-KR" altLang="en-US" smtClean="0"/>
-              <a:t>타입은 객체가 아니기 </a:t>
-            </a:r>
-            <a:r>
-              <a:rPr lang="ko-KR" altLang="en-US" smtClean="0"/>
-              <a:t>때문에</a:t>
+              <a:t>기본형 타입은 객체가 아니기 때문에</a:t>
             </a:r>
             <a:r>
               <a:rPr lang="en-US" altLang="ko-KR" baseline="0" smtClean="0"/>
@@ -2120,15 +2112,7 @@
             </a:r>
             <a:r>
               <a:rPr lang="ko-KR" altLang="en-US" smtClean="0"/>
-              <a:t>와 같은 객체 </a:t>
-            </a:r>
-            <a:r>
-              <a:rPr lang="ko-KR" altLang="en-US" smtClean="0"/>
-              <a:t>기반 자료구조에 저장할 수 </a:t>
-            </a:r>
-            <a:r>
-              <a:rPr lang="ko-KR" altLang="en-US" smtClean="0"/>
-              <a:t>없어</a:t>
+              <a:t>와 같은 객체 기반 자료구조에 저장할 수 없어</a:t>
             </a:r>
             <a:r>
               <a:rPr lang="en-US" altLang="ko-KR" smtClean="0"/>
@@ -2146,21 +2130,12 @@
             </a:r>
             <a:r>
               <a:rPr lang="ko-KR" altLang="en-US" smtClean="0"/>
-              <a:t>래퍼클래스는 기본형 </a:t>
-            </a:r>
-            <a:r>
-              <a:rPr lang="ko-KR" altLang="en-US" smtClean="0"/>
-              <a:t>타입을 객체로 변환하여 이러한 문제를 </a:t>
-            </a:r>
-            <a:r>
-              <a:rPr lang="ko-KR" altLang="en-US" smtClean="0"/>
-              <a:t>해결한거야</a:t>
+              <a:t>래퍼클래스는 기본형 타입을 객체로 변환하여 이러한 문제를 해결한거야</a:t>
             </a:r>
             <a:r>
               <a:rPr lang="en-US" altLang="ko-KR" smtClean="0"/>
               <a:t>.</a:t>
             </a:r>
-            <a:endParaRPr lang="en-US" altLang="ko-KR" smtClean="0"/>
           </a:p>
           <a:p>
             <a:endParaRPr lang="en-US" altLang="ko-KR" smtClean="0"/>
@@ -2180,11 +2155,7 @@
             </a:r>
             <a:r>
               <a:rPr lang="ko-KR" altLang="en-US" smtClean="0"/>
-              <a:t>값을 허용해야 하는 </a:t>
-            </a:r>
-            <a:r>
-              <a:rPr lang="ko-KR" altLang="en-US" smtClean="0"/>
-              <a:t>경우도 기본형 타입으로는 처리할 수 없기에 래퍼 클래스가 필요하게 된거지</a:t>
+              <a:t>값을 허용해야 하는 경우도 기본형 타입으로는 처리할 수 없기에 래퍼 클래스가 필요하게 된거지</a:t>
             </a:r>
             <a:endParaRPr lang="ko-KR" altLang="en-US" dirty="0"/>
           </a:p>
@@ -7420,7 +7391,19 @@
               <a:rPr lang="en-US" altLang="ko-KR" sz="3200" b="1" smtClean="0">
                 <a:latin typeface="+mn-ea"/>
               </a:rPr>
-              <a:t>Q. BigIntegr, BigDecimal </a:t>
+              <a:t>Q. </a:t>
+            </a:r>
+            <a:r>
+              <a:rPr lang="en-US" altLang="ko-KR" sz="3200" b="1" smtClean="0">
+                <a:latin typeface="+mn-ea"/>
+              </a:rPr>
+              <a:t>BigInteger</a:t>
+            </a:r>
+            <a:r>
+              <a:rPr lang="en-US" altLang="ko-KR" sz="3200" b="1" smtClean="0">
+                <a:latin typeface="+mn-ea"/>
+              </a:rPr>
+              <a:t>, BigDecimal </a:t>
             </a:r>
             <a:r>
               <a:rPr lang="ko-KR" altLang="en-US" sz="3200" b="1" smtClean="0">
